--- a/trick-or-treat/media/boo-siness card.pptx
+++ b/trick-or-treat/media/boo-siness card.pptx
@@ -2,18 +2,18 @@
 <file path=ppt/presentation.xml><?xml version="1.0" encoding="utf-8"?>
 <p:presentation xmlns:a="http://schemas.openxmlformats.org/drawingml/2006/main" xmlns:r="http://schemas.openxmlformats.org/officeDocument/2006/relationships" xmlns:p="http://schemas.openxmlformats.org/presentationml/2006/main" saveSubsetFonts="1">
   <p:sldMasterIdLst>
-    <p:sldMasterId id="2147483648" r:id="rId1"/>
+    <p:sldMasterId id="2147483660" r:id="rId1"/>
   </p:sldMasterIdLst>
   <p:sldIdLst>
     <p:sldId id="256" r:id="rId2"/>
   </p:sldIdLst>
-  <p:sldSz cx="12192000" cy="6858000"/>
+  <p:sldSz cx="8229600" cy="10972800"/>
   <p:notesSz cx="6858000" cy="9144000"/>
   <p:defaultTextStyle>
     <a:defPPr>
       <a:defRPr lang="en-US"/>
     </a:defPPr>
-    <a:lvl1pPr marL="0" algn="l" defTabSz="914400" rtl="0" eaLnBrk="1" latinLnBrk="0" hangingPunct="1">
+    <a:lvl1pPr marL="0" algn="l" defTabSz="457200" rtl="0" eaLnBrk="1" latinLnBrk="0" hangingPunct="1">
       <a:defRPr sz="1800" kern="1200">
         <a:solidFill>
           <a:schemeClr val="tx1"/>
@@ -23,7 +23,7 @@
         <a:cs typeface="+mn-cs"/>
       </a:defRPr>
     </a:lvl1pPr>
-    <a:lvl2pPr marL="457200" algn="l" defTabSz="914400" rtl="0" eaLnBrk="1" latinLnBrk="0" hangingPunct="1">
+    <a:lvl2pPr marL="457200" algn="l" defTabSz="457200" rtl="0" eaLnBrk="1" latinLnBrk="0" hangingPunct="1">
       <a:defRPr sz="1800" kern="1200">
         <a:solidFill>
           <a:schemeClr val="tx1"/>
@@ -33,7 +33,7 @@
         <a:cs typeface="+mn-cs"/>
       </a:defRPr>
     </a:lvl2pPr>
-    <a:lvl3pPr marL="914400" algn="l" defTabSz="914400" rtl="0" eaLnBrk="1" latinLnBrk="0" hangingPunct="1">
+    <a:lvl3pPr marL="914400" algn="l" defTabSz="457200" rtl="0" eaLnBrk="1" latinLnBrk="0" hangingPunct="1">
       <a:defRPr sz="1800" kern="1200">
         <a:solidFill>
           <a:schemeClr val="tx1"/>
@@ -43,7 +43,7 @@
         <a:cs typeface="+mn-cs"/>
       </a:defRPr>
     </a:lvl3pPr>
-    <a:lvl4pPr marL="1371600" algn="l" defTabSz="914400" rtl="0" eaLnBrk="1" latinLnBrk="0" hangingPunct="1">
+    <a:lvl4pPr marL="1371600" algn="l" defTabSz="457200" rtl="0" eaLnBrk="1" latinLnBrk="0" hangingPunct="1">
       <a:defRPr sz="1800" kern="1200">
         <a:solidFill>
           <a:schemeClr val="tx1"/>
@@ -53,7 +53,7 @@
         <a:cs typeface="+mn-cs"/>
       </a:defRPr>
     </a:lvl4pPr>
-    <a:lvl5pPr marL="1828800" algn="l" defTabSz="914400" rtl="0" eaLnBrk="1" latinLnBrk="0" hangingPunct="1">
+    <a:lvl5pPr marL="1828800" algn="l" defTabSz="457200" rtl="0" eaLnBrk="1" latinLnBrk="0" hangingPunct="1">
       <a:defRPr sz="1800" kern="1200">
         <a:solidFill>
           <a:schemeClr val="tx1"/>
@@ -63,7 +63,7 @@
         <a:cs typeface="+mn-cs"/>
       </a:defRPr>
     </a:lvl5pPr>
-    <a:lvl6pPr marL="2286000" algn="l" defTabSz="914400" rtl="0" eaLnBrk="1" latinLnBrk="0" hangingPunct="1">
+    <a:lvl6pPr marL="2286000" algn="l" defTabSz="457200" rtl="0" eaLnBrk="1" latinLnBrk="0" hangingPunct="1">
       <a:defRPr sz="1800" kern="1200">
         <a:solidFill>
           <a:schemeClr val="tx1"/>
@@ -73,7 +73,7 @@
         <a:cs typeface="+mn-cs"/>
       </a:defRPr>
     </a:lvl6pPr>
-    <a:lvl7pPr marL="2743200" algn="l" defTabSz="914400" rtl="0" eaLnBrk="1" latinLnBrk="0" hangingPunct="1">
+    <a:lvl7pPr marL="2743200" algn="l" defTabSz="457200" rtl="0" eaLnBrk="1" latinLnBrk="0" hangingPunct="1">
       <a:defRPr sz="1800" kern="1200">
         <a:solidFill>
           <a:schemeClr val="tx1"/>
@@ -83,7 +83,7 @@
         <a:cs typeface="+mn-cs"/>
       </a:defRPr>
     </a:lvl7pPr>
-    <a:lvl8pPr marL="3200400" algn="l" defTabSz="914400" rtl="0" eaLnBrk="1" latinLnBrk="0" hangingPunct="1">
+    <a:lvl8pPr marL="3200400" algn="l" defTabSz="457200" rtl="0" eaLnBrk="1" latinLnBrk="0" hangingPunct="1">
       <a:defRPr sz="1800" kern="1200">
         <a:solidFill>
           <a:schemeClr val="tx1"/>
@@ -93,7 +93,7 @@
         <a:cs typeface="+mn-cs"/>
       </a:defRPr>
     </a:lvl8pPr>
-    <a:lvl9pPr marL="3657600" algn="l" defTabSz="914400" rtl="0" eaLnBrk="1" latinLnBrk="0" hangingPunct="1">
+    <a:lvl9pPr marL="3657600" algn="l" defTabSz="457200" rtl="0" eaLnBrk="1" latinLnBrk="0" hangingPunct="1">
       <a:defRPr sz="1800" kern="1200">
         <a:solidFill>
           <a:schemeClr val="tx1"/>
@@ -104,11 +104,6 @@
       </a:defRPr>
     </a:lvl9pPr>
   </p:defaultTextStyle>
-  <p:extLst>
-    <p:ext uri="{EFAFB233-063F-42B5-8137-9DF3F51BA10A}">
-      <p15:sldGuideLst xmlns:p15="http://schemas.microsoft.com/office/powerpoint/2012/main"/>
-    </p:ext>
-  </p:extLst>
 </p:presentation>
 </file>
 
@@ -131,13 +126,7 @@
       </p:grpSpPr>
       <p:sp>
         <p:nvSpPr>
-          <p:cNvPr id="2" name="Title 1">
-            <a:extLst>
-              <a:ext uri="{FF2B5EF4-FFF2-40B4-BE49-F238E27FC236}">
-                <a16:creationId xmlns:a16="http://schemas.microsoft.com/office/drawing/2014/main" id="{EA5E91EC-AFF4-3425-E08A-D8F99D6E983D}"/>
-              </a:ext>
-            </a:extLst>
-          </p:cNvPr>
+          <p:cNvPr id="2" name="Title 1"/>
           <p:cNvSpPr>
             <a:spLocks noGrp="1"/>
           </p:cNvSpPr>
@@ -147,15 +136,15 @@
         </p:nvSpPr>
         <p:spPr>
           <a:xfrm>
-            <a:off x="1524000" y="1122363"/>
-            <a:ext cx="9144000" cy="2387600"/>
+            <a:off x="617220" y="1795781"/>
+            <a:ext cx="6995160" cy="3820160"/>
           </a:xfrm>
         </p:spPr>
         <p:txBody>
           <a:bodyPr anchor="b"/>
           <a:lstStyle>
             <a:lvl1pPr algn="ctr">
-              <a:defRPr sz="6000"/>
+              <a:defRPr sz="5400"/>
             </a:lvl1pPr>
           </a:lstStyle>
           <a:p>
@@ -163,18 +152,13 @@
               <a:rPr lang="en-US"/>
               <a:t>Click to edit Master title style</a:t>
             </a:r>
-          </a:p>
-        </p:txBody>
-      </p:sp>
-      <p:sp>
-        <p:nvSpPr>
-          <p:cNvPr id="3" name="Subtitle 2">
-            <a:extLst>
-              <a:ext uri="{FF2B5EF4-FFF2-40B4-BE49-F238E27FC236}">
-                <a16:creationId xmlns:a16="http://schemas.microsoft.com/office/drawing/2014/main" id="{8789BBD8-CF0D-CA74-4452-DD627718A804}"/>
-              </a:ext>
-            </a:extLst>
-          </p:cNvPr>
+            <a:endParaRPr lang="en-US" dirty="0"/>
+          </a:p>
+        </p:txBody>
+      </p:sp>
+      <p:sp>
+        <p:nvSpPr>
+          <p:cNvPr id="3" name="Subtitle 2"/>
           <p:cNvSpPr>
             <a:spLocks noGrp="1"/>
           </p:cNvSpPr>
@@ -184,8 +168,8 @@
         </p:nvSpPr>
         <p:spPr>
           <a:xfrm>
-            <a:off x="1524000" y="3602038"/>
-            <a:ext cx="9144000" cy="1655762"/>
+            <a:off x="1028700" y="5763261"/>
+            <a:ext cx="6172200" cy="2649219"/>
           </a:xfrm>
         </p:spPr>
         <p:txBody>
@@ -193,39 +177,39 @@
           <a:lstStyle>
             <a:lvl1pPr marL="0" indent="0" algn="ctr">
               <a:buNone/>
-              <a:defRPr sz="2400"/>
+              <a:defRPr sz="2160"/>
             </a:lvl1pPr>
-            <a:lvl2pPr marL="457200" indent="0" algn="ctr">
-              <a:buNone/>
-              <a:defRPr sz="2000"/>
+            <a:lvl2pPr marL="411480" indent="0" algn="ctr">
+              <a:buNone/>
+              <a:defRPr sz="1800"/>
             </a:lvl2pPr>
-            <a:lvl3pPr marL="914400" indent="0" algn="ctr">
-              <a:buNone/>
-              <a:defRPr sz="1800"/>
+            <a:lvl3pPr marL="822960" indent="0" algn="ctr">
+              <a:buNone/>
+              <a:defRPr sz="1620"/>
             </a:lvl3pPr>
-            <a:lvl4pPr marL="1371600" indent="0" algn="ctr">
-              <a:buNone/>
-              <a:defRPr sz="1600"/>
+            <a:lvl4pPr marL="1234440" indent="0" algn="ctr">
+              <a:buNone/>
+              <a:defRPr sz="1440"/>
             </a:lvl4pPr>
-            <a:lvl5pPr marL="1828800" indent="0" algn="ctr">
-              <a:buNone/>
-              <a:defRPr sz="1600"/>
+            <a:lvl5pPr marL="1645920" indent="0" algn="ctr">
+              <a:buNone/>
+              <a:defRPr sz="1440"/>
             </a:lvl5pPr>
-            <a:lvl6pPr marL="2286000" indent="0" algn="ctr">
-              <a:buNone/>
-              <a:defRPr sz="1600"/>
+            <a:lvl6pPr marL="2057400" indent="0" algn="ctr">
+              <a:buNone/>
+              <a:defRPr sz="1440"/>
             </a:lvl6pPr>
-            <a:lvl7pPr marL="2743200" indent="0" algn="ctr">
-              <a:buNone/>
-              <a:defRPr sz="1600"/>
+            <a:lvl7pPr marL="2468880" indent="0" algn="ctr">
+              <a:buNone/>
+              <a:defRPr sz="1440"/>
             </a:lvl7pPr>
-            <a:lvl8pPr marL="3200400" indent="0" algn="ctr">
-              <a:buNone/>
-              <a:defRPr sz="1600"/>
+            <a:lvl8pPr marL="2880360" indent="0" algn="ctr">
+              <a:buNone/>
+              <a:defRPr sz="1440"/>
             </a:lvl8pPr>
-            <a:lvl9pPr marL="3657600" indent="0" algn="ctr">
-              <a:buNone/>
-              <a:defRPr sz="1600"/>
+            <a:lvl9pPr marL="3291840" indent="0" algn="ctr">
+              <a:buNone/>
+              <a:defRPr sz="1440"/>
             </a:lvl9pPr>
           </a:lstStyle>
           <a:p>
@@ -233,18 +217,13 @@
               <a:rPr lang="en-US"/>
               <a:t>Click to edit Master subtitle style</a:t>
             </a:r>
-          </a:p>
-        </p:txBody>
-      </p:sp>
-      <p:sp>
-        <p:nvSpPr>
-          <p:cNvPr id="4" name="Date Placeholder 3">
-            <a:extLst>
-              <a:ext uri="{FF2B5EF4-FFF2-40B4-BE49-F238E27FC236}">
-                <a16:creationId xmlns:a16="http://schemas.microsoft.com/office/drawing/2014/main" id="{1EF0E9AE-5843-F53B-52C5-40A66FA719EC}"/>
-              </a:ext>
-            </a:extLst>
-          </p:cNvPr>
+            <a:endParaRPr lang="en-US" dirty="0"/>
+          </a:p>
+        </p:txBody>
+      </p:sp>
+      <p:sp>
+        <p:nvSpPr>
+          <p:cNvPr id="4" name="Date Placeholder 3"/>
           <p:cNvSpPr>
             <a:spLocks noGrp="1"/>
           </p:cNvSpPr>
@@ -257,7 +236,7 @@
           <a:bodyPr/>
           <a:lstStyle/>
           <a:p>
-            <a:fld id="{E4816F38-9569-4D7C-85E5-8A45FD83931D}" type="datetimeFigureOut">
+            <a:fld id="{5DF865E4-319B-4A69-8DC6-41C379C063F9}" type="datetimeFigureOut">
               <a:rPr lang="en-US" smtClean="0"/>
               <a:t>10/31/2023</a:t>
             </a:fld>
@@ -267,13 +246,7 @@
       </p:sp>
       <p:sp>
         <p:nvSpPr>
-          <p:cNvPr id="5" name="Footer Placeholder 4">
-            <a:extLst>
-              <a:ext uri="{FF2B5EF4-FFF2-40B4-BE49-F238E27FC236}">
-                <a16:creationId xmlns:a16="http://schemas.microsoft.com/office/drawing/2014/main" id="{03600884-4EDE-657E-6F7F-DE99C92416B7}"/>
-              </a:ext>
-            </a:extLst>
-          </p:cNvPr>
+          <p:cNvPr id="5" name="Footer Placeholder 4"/>
           <p:cNvSpPr>
             <a:spLocks noGrp="1"/>
           </p:cNvSpPr>
@@ -292,13 +265,7 @@
       </p:sp>
       <p:sp>
         <p:nvSpPr>
-          <p:cNvPr id="6" name="Slide Number Placeholder 5">
-            <a:extLst>
-              <a:ext uri="{FF2B5EF4-FFF2-40B4-BE49-F238E27FC236}">
-                <a16:creationId xmlns:a16="http://schemas.microsoft.com/office/drawing/2014/main" id="{983CBB77-D2EC-25BF-1FC2-C5C574393892}"/>
-              </a:ext>
-            </a:extLst>
-          </p:cNvPr>
+          <p:cNvPr id="6" name="Slide Number Placeholder 5"/>
           <p:cNvSpPr>
             <a:spLocks noGrp="1"/>
           </p:cNvSpPr>
@@ -311,7 +278,7 @@
           <a:bodyPr/>
           <a:lstStyle/>
           <a:p>
-            <a:fld id="{0151D832-09E7-4113-8688-DF17C556BE75}" type="slidenum">
+            <a:fld id="{0E8929A2-ACFB-4E70-AC21-E6D0D9D0BBE4}" type="slidenum">
               <a:rPr lang="en-US" smtClean="0"/>
               <a:t>‹#›</a:t>
             </a:fld>
@@ -322,7 +289,7 @@
     </p:spTree>
     <p:extLst>
       <p:ext uri="{BB962C8B-B14F-4D97-AF65-F5344CB8AC3E}">
-        <p14:creationId xmlns:p14="http://schemas.microsoft.com/office/powerpoint/2010/main" val="4214308261"/>
+        <p14:creationId xmlns:p14="http://schemas.microsoft.com/office/powerpoint/2010/main" val="21221074"/>
       </p:ext>
     </p:extLst>
   </p:cSld>
@@ -351,13 +318,7 @@
       </p:grpSpPr>
       <p:sp>
         <p:nvSpPr>
-          <p:cNvPr id="2" name="Title 1">
-            <a:extLst>
-              <a:ext uri="{FF2B5EF4-FFF2-40B4-BE49-F238E27FC236}">
-                <a16:creationId xmlns:a16="http://schemas.microsoft.com/office/drawing/2014/main" id="{F421A83C-ECAC-C700-97E8-211196634F7C}"/>
-              </a:ext>
-            </a:extLst>
-          </p:cNvPr>
+          <p:cNvPr id="2" name="Title 1"/>
           <p:cNvSpPr>
             <a:spLocks noGrp="1"/>
           </p:cNvSpPr>
@@ -374,18 +335,13 @@
               <a:rPr lang="en-US"/>
               <a:t>Click to edit Master title style</a:t>
             </a:r>
-          </a:p>
-        </p:txBody>
-      </p:sp>
-      <p:sp>
-        <p:nvSpPr>
-          <p:cNvPr id="3" name="Vertical Text Placeholder 2">
-            <a:extLst>
-              <a:ext uri="{FF2B5EF4-FFF2-40B4-BE49-F238E27FC236}">
-                <a16:creationId xmlns:a16="http://schemas.microsoft.com/office/drawing/2014/main" id="{18568C3A-4490-AD9C-DB66-356FFD95DC8C}"/>
-              </a:ext>
-            </a:extLst>
-          </p:cNvPr>
+            <a:endParaRPr lang="en-US" dirty="0"/>
+          </a:p>
+        </p:txBody>
+      </p:sp>
+      <p:sp>
+        <p:nvSpPr>
+          <p:cNvPr id="3" name="Vertical Text Placeholder 2"/>
           <p:cNvSpPr>
             <a:spLocks noGrp="1"/>
           </p:cNvSpPr>
@@ -431,18 +387,13 @@
               <a:rPr lang="en-US"/>
               <a:t>Fifth level</a:t>
             </a:r>
-          </a:p>
-        </p:txBody>
-      </p:sp>
-      <p:sp>
-        <p:nvSpPr>
-          <p:cNvPr id="4" name="Date Placeholder 3">
-            <a:extLst>
-              <a:ext uri="{FF2B5EF4-FFF2-40B4-BE49-F238E27FC236}">
-                <a16:creationId xmlns:a16="http://schemas.microsoft.com/office/drawing/2014/main" id="{24BA638A-9583-BBBB-CDDE-FB153ABDE652}"/>
-              </a:ext>
-            </a:extLst>
-          </p:cNvPr>
+            <a:endParaRPr lang="en-US" dirty="0"/>
+          </a:p>
+        </p:txBody>
+      </p:sp>
+      <p:sp>
+        <p:nvSpPr>
+          <p:cNvPr id="4" name="Date Placeholder 3"/>
           <p:cNvSpPr>
             <a:spLocks noGrp="1"/>
           </p:cNvSpPr>
@@ -455,7 +406,7 @@
           <a:bodyPr/>
           <a:lstStyle/>
           <a:p>
-            <a:fld id="{E4816F38-9569-4D7C-85E5-8A45FD83931D}" type="datetimeFigureOut">
+            <a:fld id="{5DF865E4-319B-4A69-8DC6-41C379C063F9}" type="datetimeFigureOut">
               <a:rPr lang="en-US" smtClean="0"/>
               <a:t>10/31/2023</a:t>
             </a:fld>
@@ -465,13 +416,7 @@
       </p:sp>
       <p:sp>
         <p:nvSpPr>
-          <p:cNvPr id="5" name="Footer Placeholder 4">
-            <a:extLst>
-              <a:ext uri="{FF2B5EF4-FFF2-40B4-BE49-F238E27FC236}">
-                <a16:creationId xmlns:a16="http://schemas.microsoft.com/office/drawing/2014/main" id="{8917839B-F57F-B95F-9059-A09ED812DC33}"/>
-              </a:ext>
-            </a:extLst>
-          </p:cNvPr>
+          <p:cNvPr id="5" name="Footer Placeholder 4"/>
           <p:cNvSpPr>
             <a:spLocks noGrp="1"/>
           </p:cNvSpPr>
@@ -490,13 +435,7 @@
       </p:sp>
       <p:sp>
         <p:nvSpPr>
-          <p:cNvPr id="6" name="Slide Number Placeholder 5">
-            <a:extLst>
-              <a:ext uri="{FF2B5EF4-FFF2-40B4-BE49-F238E27FC236}">
-                <a16:creationId xmlns:a16="http://schemas.microsoft.com/office/drawing/2014/main" id="{90CCACA4-F572-B07F-B4DF-46F65D51E367}"/>
-              </a:ext>
-            </a:extLst>
-          </p:cNvPr>
+          <p:cNvPr id="6" name="Slide Number Placeholder 5"/>
           <p:cNvSpPr>
             <a:spLocks noGrp="1"/>
           </p:cNvSpPr>
@@ -509,7 +448,7 @@
           <a:bodyPr/>
           <a:lstStyle/>
           <a:p>
-            <a:fld id="{0151D832-09E7-4113-8688-DF17C556BE75}" type="slidenum">
+            <a:fld id="{0E8929A2-ACFB-4E70-AC21-E6D0D9D0BBE4}" type="slidenum">
               <a:rPr lang="en-US" smtClean="0"/>
               <a:t>‹#›</a:t>
             </a:fld>
@@ -520,7 +459,7 @@
     </p:spTree>
     <p:extLst>
       <p:ext uri="{BB962C8B-B14F-4D97-AF65-F5344CB8AC3E}">
-        <p14:creationId xmlns:p14="http://schemas.microsoft.com/office/powerpoint/2010/main" val="956944136"/>
+        <p14:creationId xmlns:p14="http://schemas.microsoft.com/office/powerpoint/2010/main" val="2809557745"/>
       </p:ext>
     </p:extLst>
   </p:cSld>
@@ -549,13 +488,7 @@
       </p:grpSpPr>
       <p:sp>
         <p:nvSpPr>
-          <p:cNvPr id="2" name="Vertical Title 1">
-            <a:extLst>
-              <a:ext uri="{FF2B5EF4-FFF2-40B4-BE49-F238E27FC236}">
-                <a16:creationId xmlns:a16="http://schemas.microsoft.com/office/drawing/2014/main" id="{F0A7DAB8-E309-B2E2-E450-1B40BB25E722}"/>
-              </a:ext>
-            </a:extLst>
-          </p:cNvPr>
+          <p:cNvPr id="2" name="Vertical Title 1"/>
           <p:cNvSpPr>
             <a:spLocks noGrp="1"/>
           </p:cNvSpPr>
@@ -565,8 +498,8 @@
         </p:nvSpPr>
         <p:spPr>
           <a:xfrm>
-            <a:off x="8724900" y="365125"/>
-            <a:ext cx="2628900" cy="5811838"/>
+            <a:off x="5889308" y="584200"/>
+            <a:ext cx="1774508" cy="9298941"/>
           </a:xfrm>
         </p:spPr>
         <p:txBody>
@@ -577,18 +510,13 @@
               <a:rPr lang="en-US"/>
               <a:t>Click to edit Master title style</a:t>
             </a:r>
-          </a:p>
-        </p:txBody>
-      </p:sp>
-      <p:sp>
-        <p:nvSpPr>
-          <p:cNvPr id="3" name="Vertical Text Placeholder 2">
-            <a:extLst>
-              <a:ext uri="{FF2B5EF4-FFF2-40B4-BE49-F238E27FC236}">
-                <a16:creationId xmlns:a16="http://schemas.microsoft.com/office/drawing/2014/main" id="{FB8FA0A7-8AEF-1376-D9D1-37997CA34861}"/>
-              </a:ext>
-            </a:extLst>
-          </p:cNvPr>
+            <a:endParaRPr lang="en-US" dirty="0"/>
+          </a:p>
+        </p:txBody>
+      </p:sp>
+      <p:sp>
+        <p:nvSpPr>
+          <p:cNvPr id="3" name="Vertical Text Placeholder 2"/>
           <p:cNvSpPr>
             <a:spLocks noGrp="1"/>
           </p:cNvSpPr>
@@ -598,8 +526,8 @@
         </p:nvSpPr>
         <p:spPr>
           <a:xfrm>
-            <a:off x="838200" y="365125"/>
-            <a:ext cx="7734300" cy="5811838"/>
+            <a:off x="565785" y="584200"/>
+            <a:ext cx="5220653" cy="9298941"/>
           </a:xfrm>
         </p:spPr>
         <p:txBody>
@@ -639,18 +567,13 @@
               <a:rPr lang="en-US"/>
               <a:t>Fifth level</a:t>
             </a:r>
-          </a:p>
-        </p:txBody>
-      </p:sp>
-      <p:sp>
-        <p:nvSpPr>
-          <p:cNvPr id="4" name="Date Placeholder 3">
-            <a:extLst>
-              <a:ext uri="{FF2B5EF4-FFF2-40B4-BE49-F238E27FC236}">
-                <a16:creationId xmlns:a16="http://schemas.microsoft.com/office/drawing/2014/main" id="{67C7868C-588C-9354-6EC0-C24252F07305}"/>
-              </a:ext>
-            </a:extLst>
-          </p:cNvPr>
+            <a:endParaRPr lang="en-US" dirty="0"/>
+          </a:p>
+        </p:txBody>
+      </p:sp>
+      <p:sp>
+        <p:nvSpPr>
+          <p:cNvPr id="4" name="Date Placeholder 3"/>
           <p:cNvSpPr>
             <a:spLocks noGrp="1"/>
           </p:cNvSpPr>
@@ -663,7 +586,7 @@
           <a:bodyPr/>
           <a:lstStyle/>
           <a:p>
-            <a:fld id="{E4816F38-9569-4D7C-85E5-8A45FD83931D}" type="datetimeFigureOut">
+            <a:fld id="{5DF865E4-319B-4A69-8DC6-41C379C063F9}" type="datetimeFigureOut">
               <a:rPr lang="en-US" smtClean="0"/>
               <a:t>10/31/2023</a:t>
             </a:fld>
@@ -673,13 +596,7 @@
       </p:sp>
       <p:sp>
         <p:nvSpPr>
-          <p:cNvPr id="5" name="Footer Placeholder 4">
-            <a:extLst>
-              <a:ext uri="{FF2B5EF4-FFF2-40B4-BE49-F238E27FC236}">
-                <a16:creationId xmlns:a16="http://schemas.microsoft.com/office/drawing/2014/main" id="{A5D189CF-6D08-2230-D98D-3C697447069E}"/>
-              </a:ext>
-            </a:extLst>
-          </p:cNvPr>
+          <p:cNvPr id="5" name="Footer Placeholder 4"/>
           <p:cNvSpPr>
             <a:spLocks noGrp="1"/>
           </p:cNvSpPr>
@@ -698,13 +615,7 @@
       </p:sp>
       <p:sp>
         <p:nvSpPr>
-          <p:cNvPr id="6" name="Slide Number Placeholder 5">
-            <a:extLst>
-              <a:ext uri="{FF2B5EF4-FFF2-40B4-BE49-F238E27FC236}">
-                <a16:creationId xmlns:a16="http://schemas.microsoft.com/office/drawing/2014/main" id="{7E17493C-4A60-8080-5D81-DF5FB95682C5}"/>
-              </a:ext>
-            </a:extLst>
-          </p:cNvPr>
+          <p:cNvPr id="6" name="Slide Number Placeholder 5"/>
           <p:cNvSpPr>
             <a:spLocks noGrp="1"/>
           </p:cNvSpPr>
@@ -717,7 +628,7 @@
           <a:bodyPr/>
           <a:lstStyle/>
           <a:p>
-            <a:fld id="{0151D832-09E7-4113-8688-DF17C556BE75}" type="slidenum">
+            <a:fld id="{0E8929A2-ACFB-4E70-AC21-E6D0D9D0BBE4}" type="slidenum">
               <a:rPr lang="en-US" smtClean="0"/>
               <a:t>‹#›</a:t>
             </a:fld>
@@ -728,7 +639,7 @@
     </p:spTree>
     <p:extLst>
       <p:ext uri="{BB962C8B-B14F-4D97-AF65-F5344CB8AC3E}">
-        <p14:creationId xmlns:p14="http://schemas.microsoft.com/office/powerpoint/2010/main" val="2067333882"/>
+        <p14:creationId xmlns:p14="http://schemas.microsoft.com/office/powerpoint/2010/main" val="521551835"/>
       </p:ext>
     </p:extLst>
   </p:cSld>
@@ -757,13 +668,7 @@
       </p:grpSpPr>
       <p:sp>
         <p:nvSpPr>
-          <p:cNvPr id="2" name="Title 1">
-            <a:extLst>
-              <a:ext uri="{FF2B5EF4-FFF2-40B4-BE49-F238E27FC236}">
-                <a16:creationId xmlns:a16="http://schemas.microsoft.com/office/drawing/2014/main" id="{300F2977-148F-7BD5-B585-A09228ABEAFA}"/>
-              </a:ext>
-            </a:extLst>
-          </p:cNvPr>
+          <p:cNvPr id="2" name="Title 1"/>
           <p:cNvSpPr>
             <a:spLocks noGrp="1"/>
           </p:cNvSpPr>
@@ -780,18 +685,13 @@
               <a:rPr lang="en-US"/>
               <a:t>Click to edit Master title style</a:t>
             </a:r>
-          </a:p>
-        </p:txBody>
-      </p:sp>
-      <p:sp>
-        <p:nvSpPr>
-          <p:cNvPr id="3" name="Content Placeholder 2">
-            <a:extLst>
-              <a:ext uri="{FF2B5EF4-FFF2-40B4-BE49-F238E27FC236}">
-                <a16:creationId xmlns:a16="http://schemas.microsoft.com/office/drawing/2014/main" id="{22FAFBC8-F39A-C31E-8994-B562223E16B5}"/>
-              </a:ext>
-            </a:extLst>
-          </p:cNvPr>
+            <a:endParaRPr lang="en-US" dirty="0"/>
+          </a:p>
+        </p:txBody>
+      </p:sp>
+      <p:sp>
+        <p:nvSpPr>
+          <p:cNvPr id="3" name="Content Placeholder 2"/>
           <p:cNvSpPr>
             <a:spLocks noGrp="1"/>
           </p:cNvSpPr>
@@ -837,18 +737,13 @@
               <a:rPr lang="en-US"/>
               <a:t>Fifth level</a:t>
             </a:r>
-          </a:p>
-        </p:txBody>
-      </p:sp>
-      <p:sp>
-        <p:nvSpPr>
-          <p:cNvPr id="4" name="Date Placeholder 3">
-            <a:extLst>
-              <a:ext uri="{FF2B5EF4-FFF2-40B4-BE49-F238E27FC236}">
-                <a16:creationId xmlns:a16="http://schemas.microsoft.com/office/drawing/2014/main" id="{0A3D527A-FEA6-B48A-6B5D-11CEFCD5E196}"/>
-              </a:ext>
-            </a:extLst>
-          </p:cNvPr>
+            <a:endParaRPr lang="en-US" dirty="0"/>
+          </a:p>
+        </p:txBody>
+      </p:sp>
+      <p:sp>
+        <p:nvSpPr>
+          <p:cNvPr id="4" name="Date Placeholder 3"/>
           <p:cNvSpPr>
             <a:spLocks noGrp="1"/>
           </p:cNvSpPr>
@@ -861,7 +756,7 @@
           <a:bodyPr/>
           <a:lstStyle/>
           <a:p>
-            <a:fld id="{E4816F38-9569-4D7C-85E5-8A45FD83931D}" type="datetimeFigureOut">
+            <a:fld id="{5DF865E4-319B-4A69-8DC6-41C379C063F9}" type="datetimeFigureOut">
               <a:rPr lang="en-US" smtClean="0"/>
               <a:t>10/31/2023</a:t>
             </a:fld>
@@ -871,13 +766,7 @@
       </p:sp>
       <p:sp>
         <p:nvSpPr>
-          <p:cNvPr id="5" name="Footer Placeholder 4">
-            <a:extLst>
-              <a:ext uri="{FF2B5EF4-FFF2-40B4-BE49-F238E27FC236}">
-                <a16:creationId xmlns:a16="http://schemas.microsoft.com/office/drawing/2014/main" id="{EC4DE462-3925-F8F0-445C-508888E49430}"/>
-              </a:ext>
-            </a:extLst>
-          </p:cNvPr>
+          <p:cNvPr id="5" name="Footer Placeholder 4"/>
           <p:cNvSpPr>
             <a:spLocks noGrp="1"/>
           </p:cNvSpPr>
@@ -896,13 +785,7 @@
       </p:sp>
       <p:sp>
         <p:nvSpPr>
-          <p:cNvPr id="6" name="Slide Number Placeholder 5">
-            <a:extLst>
-              <a:ext uri="{FF2B5EF4-FFF2-40B4-BE49-F238E27FC236}">
-                <a16:creationId xmlns:a16="http://schemas.microsoft.com/office/drawing/2014/main" id="{5ECFD324-2F13-EE6F-051D-216FB4249D0E}"/>
-              </a:ext>
-            </a:extLst>
-          </p:cNvPr>
+          <p:cNvPr id="6" name="Slide Number Placeholder 5"/>
           <p:cNvSpPr>
             <a:spLocks noGrp="1"/>
           </p:cNvSpPr>
@@ -915,7 +798,7 @@
           <a:bodyPr/>
           <a:lstStyle/>
           <a:p>
-            <a:fld id="{0151D832-09E7-4113-8688-DF17C556BE75}" type="slidenum">
+            <a:fld id="{0E8929A2-ACFB-4E70-AC21-E6D0D9D0BBE4}" type="slidenum">
               <a:rPr lang="en-US" smtClean="0"/>
               <a:t>‹#›</a:t>
             </a:fld>
@@ -926,7 +809,7 @@
     </p:spTree>
     <p:extLst>
       <p:ext uri="{BB962C8B-B14F-4D97-AF65-F5344CB8AC3E}">
-        <p14:creationId xmlns:p14="http://schemas.microsoft.com/office/powerpoint/2010/main" val="3572384555"/>
+        <p14:creationId xmlns:p14="http://schemas.microsoft.com/office/powerpoint/2010/main" val="3282586953"/>
       </p:ext>
     </p:extLst>
   </p:cSld>
@@ -955,13 +838,7 @@
       </p:grpSpPr>
       <p:sp>
         <p:nvSpPr>
-          <p:cNvPr id="2" name="Title 1">
-            <a:extLst>
-              <a:ext uri="{FF2B5EF4-FFF2-40B4-BE49-F238E27FC236}">
-                <a16:creationId xmlns:a16="http://schemas.microsoft.com/office/drawing/2014/main" id="{E4846455-119F-59EE-FD0F-6A78B16B864A}"/>
-              </a:ext>
-            </a:extLst>
-          </p:cNvPr>
+          <p:cNvPr id="2" name="Title 1"/>
           <p:cNvSpPr>
             <a:spLocks noGrp="1"/>
           </p:cNvSpPr>
@@ -971,15 +848,15 @@
         </p:nvSpPr>
         <p:spPr>
           <a:xfrm>
-            <a:off x="831850" y="1709738"/>
-            <a:ext cx="10515600" cy="2852737"/>
+            <a:off x="561499" y="2735583"/>
+            <a:ext cx="7098030" cy="4564379"/>
           </a:xfrm>
         </p:spPr>
         <p:txBody>
           <a:bodyPr anchor="b"/>
           <a:lstStyle>
             <a:lvl1pPr>
-              <a:defRPr sz="6000"/>
+              <a:defRPr sz="5400"/>
             </a:lvl1pPr>
           </a:lstStyle>
           <a:p>
@@ -987,18 +864,13 @@
               <a:rPr lang="en-US"/>
               <a:t>Click to edit Master title style</a:t>
             </a:r>
-          </a:p>
-        </p:txBody>
-      </p:sp>
-      <p:sp>
-        <p:nvSpPr>
-          <p:cNvPr id="3" name="Text Placeholder 2">
-            <a:extLst>
-              <a:ext uri="{FF2B5EF4-FFF2-40B4-BE49-F238E27FC236}">
-                <a16:creationId xmlns:a16="http://schemas.microsoft.com/office/drawing/2014/main" id="{79E4C8E1-E08A-752A-B3C5-5BC696A5D26A}"/>
-              </a:ext>
-            </a:extLst>
-          </p:cNvPr>
+            <a:endParaRPr lang="en-US" dirty="0"/>
+          </a:p>
+        </p:txBody>
+      </p:sp>
+      <p:sp>
+        <p:nvSpPr>
+          <p:cNvPr id="3" name="Text Placeholder 2"/>
           <p:cNvSpPr>
             <a:spLocks noGrp="1"/>
           </p:cNvSpPr>
@@ -1008,8 +880,8 @@
         </p:nvSpPr>
         <p:spPr>
           <a:xfrm>
-            <a:off x="831850" y="4589463"/>
-            <a:ext cx="10515600" cy="1500187"/>
+            <a:off x="561499" y="7343143"/>
+            <a:ext cx="7098030" cy="2400299"/>
           </a:xfrm>
         </p:spPr>
         <p:txBody>
@@ -1017,17 +889,15 @@
           <a:lstStyle>
             <a:lvl1pPr marL="0" indent="0">
               <a:buNone/>
-              <a:defRPr sz="2400">
+              <a:defRPr sz="2160">
                 <a:solidFill>
-                  <a:schemeClr val="tx1">
-                    <a:tint val="75000"/>
-                  </a:schemeClr>
+                  <a:schemeClr val="tx1"/>
                 </a:solidFill>
               </a:defRPr>
             </a:lvl1pPr>
-            <a:lvl2pPr marL="457200" indent="0">
-              <a:buNone/>
-              <a:defRPr sz="2000">
+            <a:lvl2pPr marL="411480" indent="0">
+              <a:buNone/>
+              <a:defRPr sz="1800">
                 <a:solidFill>
                   <a:schemeClr val="tx1">
                     <a:tint val="75000"/>
@@ -1035,9 +905,9 @@
                 </a:solidFill>
               </a:defRPr>
             </a:lvl2pPr>
-            <a:lvl3pPr marL="914400" indent="0">
-              <a:buNone/>
-              <a:defRPr sz="1800">
+            <a:lvl3pPr marL="822960" indent="0">
+              <a:buNone/>
+              <a:defRPr sz="1620">
                 <a:solidFill>
                   <a:schemeClr val="tx1">
                     <a:tint val="75000"/>
@@ -1045,9 +915,9 @@
                 </a:solidFill>
               </a:defRPr>
             </a:lvl3pPr>
-            <a:lvl4pPr marL="1371600" indent="0">
-              <a:buNone/>
-              <a:defRPr sz="1600">
+            <a:lvl4pPr marL="1234440" indent="0">
+              <a:buNone/>
+              <a:defRPr sz="1440">
                 <a:solidFill>
                   <a:schemeClr val="tx1">
                     <a:tint val="75000"/>
@@ -1055,9 +925,9 @@
                 </a:solidFill>
               </a:defRPr>
             </a:lvl4pPr>
-            <a:lvl5pPr marL="1828800" indent="0">
-              <a:buNone/>
-              <a:defRPr sz="1600">
+            <a:lvl5pPr marL="1645920" indent="0">
+              <a:buNone/>
+              <a:defRPr sz="1440">
                 <a:solidFill>
                   <a:schemeClr val="tx1">
                     <a:tint val="75000"/>
@@ -1065,9 +935,9 @@
                 </a:solidFill>
               </a:defRPr>
             </a:lvl5pPr>
-            <a:lvl6pPr marL="2286000" indent="0">
-              <a:buNone/>
-              <a:defRPr sz="1600">
+            <a:lvl6pPr marL="2057400" indent="0">
+              <a:buNone/>
+              <a:defRPr sz="1440">
                 <a:solidFill>
                   <a:schemeClr val="tx1">
                     <a:tint val="75000"/>
@@ -1075,9 +945,9 @@
                 </a:solidFill>
               </a:defRPr>
             </a:lvl6pPr>
-            <a:lvl7pPr marL="2743200" indent="0">
-              <a:buNone/>
-              <a:defRPr sz="1600">
+            <a:lvl7pPr marL="2468880" indent="0">
+              <a:buNone/>
+              <a:defRPr sz="1440">
                 <a:solidFill>
                   <a:schemeClr val="tx1">
                     <a:tint val="75000"/>
@@ -1085,9 +955,9 @@
                 </a:solidFill>
               </a:defRPr>
             </a:lvl7pPr>
-            <a:lvl8pPr marL="3200400" indent="0">
-              <a:buNone/>
-              <a:defRPr sz="1600">
+            <a:lvl8pPr marL="2880360" indent="0">
+              <a:buNone/>
+              <a:defRPr sz="1440">
                 <a:solidFill>
                   <a:schemeClr val="tx1">
                     <a:tint val="75000"/>
@@ -1095,9 +965,9 @@
                 </a:solidFill>
               </a:defRPr>
             </a:lvl8pPr>
-            <a:lvl9pPr marL="3657600" indent="0">
-              <a:buNone/>
-              <a:defRPr sz="1600">
+            <a:lvl9pPr marL="3291840" indent="0">
+              <a:buNone/>
+              <a:defRPr sz="1440">
                 <a:solidFill>
                   <a:schemeClr val="tx1">
                     <a:tint val="75000"/>
@@ -1117,13 +987,7 @@
       </p:sp>
       <p:sp>
         <p:nvSpPr>
-          <p:cNvPr id="4" name="Date Placeholder 3">
-            <a:extLst>
-              <a:ext uri="{FF2B5EF4-FFF2-40B4-BE49-F238E27FC236}">
-                <a16:creationId xmlns:a16="http://schemas.microsoft.com/office/drawing/2014/main" id="{4D914788-A1C8-4A08-0ADE-BF64204804E8}"/>
-              </a:ext>
-            </a:extLst>
-          </p:cNvPr>
+          <p:cNvPr id="4" name="Date Placeholder 3"/>
           <p:cNvSpPr>
             <a:spLocks noGrp="1"/>
           </p:cNvSpPr>
@@ -1136,7 +1000,7 @@
           <a:bodyPr/>
           <a:lstStyle/>
           <a:p>
-            <a:fld id="{E4816F38-9569-4D7C-85E5-8A45FD83931D}" type="datetimeFigureOut">
+            <a:fld id="{5DF865E4-319B-4A69-8DC6-41C379C063F9}" type="datetimeFigureOut">
               <a:rPr lang="en-US" smtClean="0"/>
               <a:t>10/31/2023</a:t>
             </a:fld>
@@ -1146,13 +1010,7 @@
       </p:sp>
       <p:sp>
         <p:nvSpPr>
-          <p:cNvPr id="5" name="Footer Placeholder 4">
-            <a:extLst>
-              <a:ext uri="{FF2B5EF4-FFF2-40B4-BE49-F238E27FC236}">
-                <a16:creationId xmlns:a16="http://schemas.microsoft.com/office/drawing/2014/main" id="{8310292B-D27D-3E99-1F56-2F813AB2138E}"/>
-              </a:ext>
-            </a:extLst>
-          </p:cNvPr>
+          <p:cNvPr id="5" name="Footer Placeholder 4"/>
           <p:cNvSpPr>
             <a:spLocks noGrp="1"/>
           </p:cNvSpPr>
@@ -1171,13 +1029,7 @@
       </p:sp>
       <p:sp>
         <p:nvSpPr>
-          <p:cNvPr id="6" name="Slide Number Placeholder 5">
-            <a:extLst>
-              <a:ext uri="{FF2B5EF4-FFF2-40B4-BE49-F238E27FC236}">
-                <a16:creationId xmlns:a16="http://schemas.microsoft.com/office/drawing/2014/main" id="{F3019B6B-13AC-8F2A-0171-2E2759C5C18D}"/>
-              </a:ext>
-            </a:extLst>
-          </p:cNvPr>
+          <p:cNvPr id="6" name="Slide Number Placeholder 5"/>
           <p:cNvSpPr>
             <a:spLocks noGrp="1"/>
           </p:cNvSpPr>
@@ -1190,7 +1042,7 @@
           <a:bodyPr/>
           <a:lstStyle/>
           <a:p>
-            <a:fld id="{0151D832-09E7-4113-8688-DF17C556BE75}" type="slidenum">
+            <a:fld id="{0E8929A2-ACFB-4E70-AC21-E6D0D9D0BBE4}" type="slidenum">
               <a:rPr lang="en-US" smtClean="0"/>
               <a:t>‹#›</a:t>
             </a:fld>
@@ -1201,7 +1053,7 @@
     </p:spTree>
     <p:extLst>
       <p:ext uri="{BB962C8B-B14F-4D97-AF65-F5344CB8AC3E}">
-        <p14:creationId xmlns:p14="http://schemas.microsoft.com/office/powerpoint/2010/main" val="2194038411"/>
+        <p14:creationId xmlns:p14="http://schemas.microsoft.com/office/powerpoint/2010/main" val="2881195422"/>
       </p:ext>
     </p:extLst>
   </p:cSld>
@@ -1230,13 +1082,7 @@
       </p:grpSpPr>
       <p:sp>
         <p:nvSpPr>
-          <p:cNvPr id="2" name="Title 1">
-            <a:extLst>
-              <a:ext uri="{FF2B5EF4-FFF2-40B4-BE49-F238E27FC236}">
-                <a16:creationId xmlns:a16="http://schemas.microsoft.com/office/drawing/2014/main" id="{857988A9-BB6B-7D1A-5F37-8BC50EE2AD39}"/>
-              </a:ext>
-            </a:extLst>
-          </p:cNvPr>
+          <p:cNvPr id="2" name="Title 1"/>
           <p:cNvSpPr>
             <a:spLocks noGrp="1"/>
           </p:cNvSpPr>
@@ -1253,18 +1099,13 @@
               <a:rPr lang="en-US"/>
               <a:t>Click to edit Master title style</a:t>
             </a:r>
-          </a:p>
-        </p:txBody>
-      </p:sp>
-      <p:sp>
-        <p:nvSpPr>
-          <p:cNvPr id="3" name="Content Placeholder 2">
-            <a:extLst>
-              <a:ext uri="{FF2B5EF4-FFF2-40B4-BE49-F238E27FC236}">
-                <a16:creationId xmlns:a16="http://schemas.microsoft.com/office/drawing/2014/main" id="{22540922-ACAC-0B47-6396-1C2F39263B02}"/>
-              </a:ext>
-            </a:extLst>
-          </p:cNvPr>
+            <a:endParaRPr lang="en-US" dirty="0"/>
+          </a:p>
+        </p:txBody>
+      </p:sp>
+      <p:sp>
+        <p:nvSpPr>
+          <p:cNvPr id="3" name="Content Placeholder 2"/>
           <p:cNvSpPr>
             <a:spLocks noGrp="1"/>
           </p:cNvSpPr>
@@ -1274,8 +1115,8 @@
         </p:nvSpPr>
         <p:spPr>
           <a:xfrm>
-            <a:off x="838200" y="1825625"/>
-            <a:ext cx="5181600" cy="4351338"/>
+            <a:off x="565785" y="2921000"/>
+            <a:ext cx="3497580" cy="6962141"/>
           </a:xfrm>
         </p:spPr>
         <p:txBody>
@@ -1315,18 +1156,13 @@
               <a:rPr lang="en-US"/>
               <a:t>Fifth level</a:t>
             </a:r>
-          </a:p>
-        </p:txBody>
-      </p:sp>
-      <p:sp>
-        <p:nvSpPr>
-          <p:cNvPr id="4" name="Content Placeholder 3">
-            <a:extLst>
-              <a:ext uri="{FF2B5EF4-FFF2-40B4-BE49-F238E27FC236}">
-                <a16:creationId xmlns:a16="http://schemas.microsoft.com/office/drawing/2014/main" id="{47E3479F-8450-63AF-199C-93E8F207780D}"/>
-              </a:ext>
-            </a:extLst>
-          </p:cNvPr>
+            <a:endParaRPr lang="en-US" dirty="0"/>
+          </a:p>
+        </p:txBody>
+      </p:sp>
+      <p:sp>
+        <p:nvSpPr>
+          <p:cNvPr id="4" name="Content Placeholder 3"/>
           <p:cNvSpPr>
             <a:spLocks noGrp="1"/>
           </p:cNvSpPr>
@@ -1336,8 +1172,8 @@
         </p:nvSpPr>
         <p:spPr>
           <a:xfrm>
-            <a:off x="6172200" y="1825625"/>
-            <a:ext cx="5181600" cy="4351338"/>
+            <a:off x="4166235" y="2921000"/>
+            <a:ext cx="3497580" cy="6962141"/>
           </a:xfrm>
         </p:spPr>
         <p:txBody>
@@ -1377,18 +1213,13 @@
               <a:rPr lang="en-US"/>
               <a:t>Fifth level</a:t>
             </a:r>
-          </a:p>
-        </p:txBody>
-      </p:sp>
-      <p:sp>
-        <p:nvSpPr>
-          <p:cNvPr id="5" name="Date Placeholder 4">
-            <a:extLst>
-              <a:ext uri="{FF2B5EF4-FFF2-40B4-BE49-F238E27FC236}">
-                <a16:creationId xmlns:a16="http://schemas.microsoft.com/office/drawing/2014/main" id="{FFC0C719-7342-3913-F285-229FE9FECE9C}"/>
-              </a:ext>
-            </a:extLst>
-          </p:cNvPr>
+            <a:endParaRPr lang="en-US" dirty="0"/>
+          </a:p>
+        </p:txBody>
+      </p:sp>
+      <p:sp>
+        <p:nvSpPr>
+          <p:cNvPr id="5" name="Date Placeholder 4"/>
           <p:cNvSpPr>
             <a:spLocks noGrp="1"/>
           </p:cNvSpPr>
@@ -1401,7 +1232,7 @@
           <a:bodyPr/>
           <a:lstStyle/>
           <a:p>
-            <a:fld id="{E4816F38-9569-4D7C-85E5-8A45FD83931D}" type="datetimeFigureOut">
+            <a:fld id="{5DF865E4-319B-4A69-8DC6-41C379C063F9}" type="datetimeFigureOut">
               <a:rPr lang="en-US" smtClean="0"/>
               <a:t>10/31/2023</a:t>
             </a:fld>
@@ -1411,13 +1242,7 @@
       </p:sp>
       <p:sp>
         <p:nvSpPr>
-          <p:cNvPr id="6" name="Footer Placeholder 5">
-            <a:extLst>
-              <a:ext uri="{FF2B5EF4-FFF2-40B4-BE49-F238E27FC236}">
-                <a16:creationId xmlns:a16="http://schemas.microsoft.com/office/drawing/2014/main" id="{0EA1646A-191D-D5E4-4AF9-974294E2686D}"/>
-              </a:ext>
-            </a:extLst>
-          </p:cNvPr>
+          <p:cNvPr id="6" name="Footer Placeholder 5"/>
           <p:cNvSpPr>
             <a:spLocks noGrp="1"/>
           </p:cNvSpPr>
@@ -1436,13 +1261,7 @@
       </p:sp>
       <p:sp>
         <p:nvSpPr>
-          <p:cNvPr id="7" name="Slide Number Placeholder 6">
-            <a:extLst>
-              <a:ext uri="{FF2B5EF4-FFF2-40B4-BE49-F238E27FC236}">
-                <a16:creationId xmlns:a16="http://schemas.microsoft.com/office/drawing/2014/main" id="{7270C4AD-A57B-9C41-2397-AC95B7101809}"/>
-              </a:ext>
-            </a:extLst>
-          </p:cNvPr>
+          <p:cNvPr id="7" name="Slide Number Placeholder 6"/>
           <p:cNvSpPr>
             <a:spLocks noGrp="1"/>
           </p:cNvSpPr>
@@ -1455,7 +1274,7 @@
           <a:bodyPr/>
           <a:lstStyle/>
           <a:p>
-            <a:fld id="{0151D832-09E7-4113-8688-DF17C556BE75}" type="slidenum">
+            <a:fld id="{0E8929A2-ACFB-4E70-AC21-E6D0D9D0BBE4}" type="slidenum">
               <a:rPr lang="en-US" smtClean="0"/>
               <a:t>‹#›</a:t>
             </a:fld>
@@ -1466,7 +1285,7 @@
     </p:spTree>
     <p:extLst>
       <p:ext uri="{BB962C8B-B14F-4D97-AF65-F5344CB8AC3E}">
-        <p14:creationId xmlns:p14="http://schemas.microsoft.com/office/powerpoint/2010/main" val="829663848"/>
+        <p14:creationId xmlns:p14="http://schemas.microsoft.com/office/powerpoint/2010/main" val="3128961270"/>
       </p:ext>
     </p:extLst>
   </p:cSld>
@@ -1495,13 +1314,7 @@
       </p:grpSpPr>
       <p:sp>
         <p:nvSpPr>
-          <p:cNvPr id="2" name="Title 1">
-            <a:extLst>
-              <a:ext uri="{FF2B5EF4-FFF2-40B4-BE49-F238E27FC236}">
-                <a16:creationId xmlns:a16="http://schemas.microsoft.com/office/drawing/2014/main" id="{50217081-856B-7B64-9D84-4C2AB68C715F}"/>
-              </a:ext>
-            </a:extLst>
-          </p:cNvPr>
+          <p:cNvPr id="2" name="Title 1"/>
           <p:cNvSpPr>
             <a:spLocks noGrp="1"/>
           </p:cNvSpPr>
@@ -1511,8 +1324,8 @@
         </p:nvSpPr>
         <p:spPr>
           <a:xfrm>
-            <a:off x="839788" y="365125"/>
-            <a:ext cx="10515600" cy="1325563"/>
+            <a:off x="566857" y="584202"/>
+            <a:ext cx="7098030" cy="2120901"/>
           </a:xfrm>
         </p:spPr>
         <p:txBody>
@@ -1523,18 +1336,13 @@
               <a:rPr lang="en-US"/>
               <a:t>Click to edit Master title style</a:t>
             </a:r>
-          </a:p>
-        </p:txBody>
-      </p:sp>
-      <p:sp>
-        <p:nvSpPr>
-          <p:cNvPr id="3" name="Text Placeholder 2">
-            <a:extLst>
-              <a:ext uri="{FF2B5EF4-FFF2-40B4-BE49-F238E27FC236}">
-                <a16:creationId xmlns:a16="http://schemas.microsoft.com/office/drawing/2014/main" id="{CA96D826-600A-3296-8EDB-9BC50C0AD373}"/>
-              </a:ext>
-            </a:extLst>
-          </p:cNvPr>
+            <a:endParaRPr lang="en-US" dirty="0"/>
+          </a:p>
+        </p:txBody>
+      </p:sp>
+      <p:sp>
+        <p:nvSpPr>
+          <p:cNvPr id="3" name="Text Placeholder 2"/>
           <p:cNvSpPr>
             <a:spLocks noGrp="1"/>
           </p:cNvSpPr>
@@ -1544,8 +1352,8 @@
         </p:nvSpPr>
         <p:spPr>
           <a:xfrm>
-            <a:off x="839788" y="1681163"/>
-            <a:ext cx="5157787" cy="823912"/>
+            <a:off x="566858" y="2689861"/>
+            <a:ext cx="3481506" cy="1318259"/>
           </a:xfrm>
         </p:spPr>
         <p:txBody>
@@ -1553,39 +1361,39 @@
           <a:lstStyle>
             <a:lvl1pPr marL="0" indent="0">
               <a:buNone/>
-              <a:defRPr sz="2400" b="1"/>
+              <a:defRPr sz="2160" b="1"/>
             </a:lvl1pPr>
-            <a:lvl2pPr marL="457200" indent="0">
-              <a:buNone/>
-              <a:defRPr sz="2000" b="1"/>
+            <a:lvl2pPr marL="411480" indent="0">
+              <a:buNone/>
+              <a:defRPr sz="1800" b="1"/>
             </a:lvl2pPr>
-            <a:lvl3pPr marL="914400" indent="0">
-              <a:buNone/>
-              <a:defRPr sz="1800" b="1"/>
+            <a:lvl3pPr marL="822960" indent="0">
+              <a:buNone/>
+              <a:defRPr sz="1620" b="1"/>
             </a:lvl3pPr>
-            <a:lvl4pPr marL="1371600" indent="0">
-              <a:buNone/>
-              <a:defRPr sz="1600" b="1"/>
+            <a:lvl4pPr marL="1234440" indent="0">
+              <a:buNone/>
+              <a:defRPr sz="1440" b="1"/>
             </a:lvl4pPr>
-            <a:lvl5pPr marL="1828800" indent="0">
-              <a:buNone/>
-              <a:defRPr sz="1600" b="1"/>
+            <a:lvl5pPr marL="1645920" indent="0">
+              <a:buNone/>
+              <a:defRPr sz="1440" b="1"/>
             </a:lvl5pPr>
-            <a:lvl6pPr marL="2286000" indent="0">
-              <a:buNone/>
-              <a:defRPr sz="1600" b="1"/>
+            <a:lvl6pPr marL="2057400" indent="0">
+              <a:buNone/>
+              <a:defRPr sz="1440" b="1"/>
             </a:lvl6pPr>
-            <a:lvl7pPr marL="2743200" indent="0">
-              <a:buNone/>
-              <a:defRPr sz="1600" b="1"/>
+            <a:lvl7pPr marL="2468880" indent="0">
+              <a:buNone/>
+              <a:defRPr sz="1440" b="1"/>
             </a:lvl7pPr>
-            <a:lvl8pPr marL="3200400" indent="0">
-              <a:buNone/>
-              <a:defRPr sz="1600" b="1"/>
+            <a:lvl8pPr marL="2880360" indent="0">
+              <a:buNone/>
+              <a:defRPr sz="1440" b="1"/>
             </a:lvl8pPr>
-            <a:lvl9pPr marL="3657600" indent="0">
-              <a:buNone/>
-              <a:defRPr sz="1600" b="1"/>
+            <a:lvl9pPr marL="3291840" indent="0">
+              <a:buNone/>
+              <a:defRPr sz="1440" b="1"/>
             </a:lvl9pPr>
           </a:lstStyle>
           <a:p>
@@ -1599,13 +1407,7 @@
       </p:sp>
       <p:sp>
         <p:nvSpPr>
-          <p:cNvPr id="4" name="Content Placeholder 3">
-            <a:extLst>
-              <a:ext uri="{FF2B5EF4-FFF2-40B4-BE49-F238E27FC236}">
-                <a16:creationId xmlns:a16="http://schemas.microsoft.com/office/drawing/2014/main" id="{99395C52-BF0A-1E19-42F1-370663EA92EB}"/>
-              </a:ext>
-            </a:extLst>
-          </p:cNvPr>
+          <p:cNvPr id="4" name="Content Placeholder 3"/>
           <p:cNvSpPr>
             <a:spLocks noGrp="1"/>
           </p:cNvSpPr>
@@ -1615,8 +1417,8 @@
         </p:nvSpPr>
         <p:spPr>
           <a:xfrm>
-            <a:off x="839788" y="2505075"/>
-            <a:ext cx="5157787" cy="3684588"/>
+            <a:off x="566858" y="4008120"/>
+            <a:ext cx="3481506" cy="5895341"/>
           </a:xfrm>
         </p:spPr>
         <p:txBody>
@@ -1656,18 +1458,13 @@
               <a:rPr lang="en-US"/>
               <a:t>Fifth level</a:t>
             </a:r>
-          </a:p>
-        </p:txBody>
-      </p:sp>
-      <p:sp>
-        <p:nvSpPr>
-          <p:cNvPr id="5" name="Text Placeholder 4">
-            <a:extLst>
-              <a:ext uri="{FF2B5EF4-FFF2-40B4-BE49-F238E27FC236}">
-                <a16:creationId xmlns:a16="http://schemas.microsoft.com/office/drawing/2014/main" id="{108A95D7-4C2F-2E39-1910-42FA5AA1A6A2}"/>
-              </a:ext>
-            </a:extLst>
-          </p:cNvPr>
+            <a:endParaRPr lang="en-US" dirty="0"/>
+          </a:p>
+        </p:txBody>
+      </p:sp>
+      <p:sp>
+        <p:nvSpPr>
+          <p:cNvPr id="5" name="Text Placeholder 4"/>
           <p:cNvSpPr>
             <a:spLocks noGrp="1"/>
           </p:cNvSpPr>
@@ -1677,8 +1474,8 @@
         </p:nvSpPr>
         <p:spPr>
           <a:xfrm>
-            <a:off x="6172200" y="1681163"/>
-            <a:ext cx="5183188" cy="823912"/>
+            <a:off x="4166235" y="2689861"/>
+            <a:ext cx="3498652" cy="1318259"/>
           </a:xfrm>
         </p:spPr>
         <p:txBody>
@@ -1686,39 +1483,39 @@
           <a:lstStyle>
             <a:lvl1pPr marL="0" indent="0">
               <a:buNone/>
-              <a:defRPr sz="2400" b="1"/>
+              <a:defRPr sz="2160" b="1"/>
             </a:lvl1pPr>
-            <a:lvl2pPr marL="457200" indent="0">
-              <a:buNone/>
-              <a:defRPr sz="2000" b="1"/>
+            <a:lvl2pPr marL="411480" indent="0">
+              <a:buNone/>
+              <a:defRPr sz="1800" b="1"/>
             </a:lvl2pPr>
-            <a:lvl3pPr marL="914400" indent="0">
-              <a:buNone/>
-              <a:defRPr sz="1800" b="1"/>
+            <a:lvl3pPr marL="822960" indent="0">
+              <a:buNone/>
+              <a:defRPr sz="1620" b="1"/>
             </a:lvl3pPr>
-            <a:lvl4pPr marL="1371600" indent="0">
-              <a:buNone/>
-              <a:defRPr sz="1600" b="1"/>
+            <a:lvl4pPr marL="1234440" indent="0">
+              <a:buNone/>
+              <a:defRPr sz="1440" b="1"/>
             </a:lvl4pPr>
-            <a:lvl5pPr marL="1828800" indent="0">
-              <a:buNone/>
-              <a:defRPr sz="1600" b="1"/>
+            <a:lvl5pPr marL="1645920" indent="0">
+              <a:buNone/>
+              <a:defRPr sz="1440" b="1"/>
             </a:lvl5pPr>
-            <a:lvl6pPr marL="2286000" indent="0">
-              <a:buNone/>
-              <a:defRPr sz="1600" b="1"/>
+            <a:lvl6pPr marL="2057400" indent="0">
+              <a:buNone/>
+              <a:defRPr sz="1440" b="1"/>
             </a:lvl6pPr>
-            <a:lvl7pPr marL="2743200" indent="0">
-              <a:buNone/>
-              <a:defRPr sz="1600" b="1"/>
+            <a:lvl7pPr marL="2468880" indent="0">
+              <a:buNone/>
+              <a:defRPr sz="1440" b="1"/>
             </a:lvl7pPr>
-            <a:lvl8pPr marL="3200400" indent="0">
-              <a:buNone/>
-              <a:defRPr sz="1600" b="1"/>
+            <a:lvl8pPr marL="2880360" indent="0">
+              <a:buNone/>
+              <a:defRPr sz="1440" b="1"/>
             </a:lvl8pPr>
-            <a:lvl9pPr marL="3657600" indent="0">
-              <a:buNone/>
-              <a:defRPr sz="1600" b="1"/>
+            <a:lvl9pPr marL="3291840" indent="0">
+              <a:buNone/>
+              <a:defRPr sz="1440" b="1"/>
             </a:lvl9pPr>
           </a:lstStyle>
           <a:p>
@@ -1732,13 +1529,7 @@
       </p:sp>
       <p:sp>
         <p:nvSpPr>
-          <p:cNvPr id="6" name="Content Placeholder 5">
-            <a:extLst>
-              <a:ext uri="{FF2B5EF4-FFF2-40B4-BE49-F238E27FC236}">
-                <a16:creationId xmlns:a16="http://schemas.microsoft.com/office/drawing/2014/main" id="{18966BCB-6B2F-1BD5-F0D3-239577C4A7F2}"/>
-              </a:ext>
-            </a:extLst>
-          </p:cNvPr>
+          <p:cNvPr id="6" name="Content Placeholder 5"/>
           <p:cNvSpPr>
             <a:spLocks noGrp="1"/>
           </p:cNvSpPr>
@@ -1748,8 +1539,8 @@
         </p:nvSpPr>
         <p:spPr>
           <a:xfrm>
-            <a:off x="6172200" y="2505075"/>
-            <a:ext cx="5183188" cy="3684588"/>
+            <a:off x="4166235" y="4008120"/>
+            <a:ext cx="3498652" cy="5895341"/>
           </a:xfrm>
         </p:spPr>
         <p:txBody>
@@ -1789,18 +1580,13 @@
               <a:rPr lang="en-US"/>
               <a:t>Fifth level</a:t>
             </a:r>
-          </a:p>
-        </p:txBody>
-      </p:sp>
-      <p:sp>
-        <p:nvSpPr>
-          <p:cNvPr id="7" name="Date Placeholder 6">
-            <a:extLst>
-              <a:ext uri="{FF2B5EF4-FFF2-40B4-BE49-F238E27FC236}">
-                <a16:creationId xmlns:a16="http://schemas.microsoft.com/office/drawing/2014/main" id="{7281C8FF-B555-9C44-E10D-CEE3EFDC6773}"/>
-              </a:ext>
-            </a:extLst>
-          </p:cNvPr>
+            <a:endParaRPr lang="en-US" dirty="0"/>
+          </a:p>
+        </p:txBody>
+      </p:sp>
+      <p:sp>
+        <p:nvSpPr>
+          <p:cNvPr id="7" name="Date Placeholder 6"/>
           <p:cNvSpPr>
             <a:spLocks noGrp="1"/>
           </p:cNvSpPr>
@@ -1813,7 +1599,7 @@
           <a:bodyPr/>
           <a:lstStyle/>
           <a:p>
-            <a:fld id="{E4816F38-9569-4D7C-85E5-8A45FD83931D}" type="datetimeFigureOut">
+            <a:fld id="{5DF865E4-319B-4A69-8DC6-41C379C063F9}" type="datetimeFigureOut">
               <a:rPr lang="en-US" smtClean="0"/>
               <a:t>10/31/2023</a:t>
             </a:fld>
@@ -1823,13 +1609,7 @@
       </p:sp>
       <p:sp>
         <p:nvSpPr>
-          <p:cNvPr id="8" name="Footer Placeholder 7">
-            <a:extLst>
-              <a:ext uri="{FF2B5EF4-FFF2-40B4-BE49-F238E27FC236}">
-                <a16:creationId xmlns:a16="http://schemas.microsoft.com/office/drawing/2014/main" id="{B1DD0722-B73C-4025-257C-8E597FEA3D22}"/>
-              </a:ext>
-            </a:extLst>
-          </p:cNvPr>
+          <p:cNvPr id="8" name="Footer Placeholder 7"/>
           <p:cNvSpPr>
             <a:spLocks noGrp="1"/>
           </p:cNvSpPr>
@@ -1848,13 +1628,7 @@
       </p:sp>
       <p:sp>
         <p:nvSpPr>
-          <p:cNvPr id="9" name="Slide Number Placeholder 8">
-            <a:extLst>
-              <a:ext uri="{FF2B5EF4-FFF2-40B4-BE49-F238E27FC236}">
-                <a16:creationId xmlns:a16="http://schemas.microsoft.com/office/drawing/2014/main" id="{F1609B32-46BC-369F-314C-A5B738B9C2E6}"/>
-              </a:ext>
-            </a:extLst>
-          </p:cNvPr>
+          <p:cNvPr id="9" name="Slide Number Placeholder 8"/>
           <p:cNvSpPr>
             <a:spLocks noGrp="1"/>
           </p:cNvSpPr>
@@ -1867,7 +1641,7 @@
           <a:bodyPr/>
           <a:lstStyle/>
           <a:p>
-            <a:fld id="{0151D832-09E7-4113-8688-DF17C556BE75}" type="slidenum">
+            <a:fld id="{0E8929A2-ACFB-4E70-AC21-E6D0D9D0BBE4}" type="slidenum">
               <a:rPr lang="en-US" smtClean="0"/>
               <a:t>‹#›</a:t>
             </a:fld>
@@ -1878,7 +1652,7 @@
     </p:spTree>
     <p:extLst>
       <p:ext uri="{BB962C8B-B14F-4D97-AF65-F5344CB8AC3E}">
-        <p14:creationId xmlns:p14="http://schemas.microsoft.com/office/powerpoint/2010/main" val="2320783253"/>
+        <p14:creationId xmlns:p14="http://schemas.microsoft.com/office/powerpoint/2010/main" val="806918627"/>
       </p:ext>
     </p:extLst>
   </p:cSld>
@@ -1907,13 +1681,7 @@
       </p:grpSpPr>
       <p:sp>
         <p:nvSpPr>
-          <p:cNvPr id="2" name="Title 1">
-            <a:extLst>
-              <a:ext uri="{FF2B5EF4-FFF2-40B4-BE49-F238E27FC236}">
-                <a16:creationId xmlns:a16="http://schemas.microsoft.com/office/drawing/2014/main" id="{8030DDA3-97F0-8031-A1E8-A1F765C91685}"/>
-              </a:ext>
-            </a:extLst>
-          </p:cNvPr>
+          <p:cNvPr id="2" name="Title 1"/>
           <p:cNvSpPr>
             <a:spLocks noGrp="1"/>
           </p:cNvSpPr>
@@ -1930,18 +1698,13 @@
               <a:rPr lang="en-US"/>
               <a:t>Click to edit Master title style</a:t>
             </a:r>
-          </a:p>
-        </p:txBody>
-      </p:sp>
-      <p:sp>
-        <p:nvSpPr>
-          <p:cNvPr id="3" name="Date Placeholder 2">
-            <a:extLst>
-              <a:ext uri="{FF2B5EF4-FFF2-40B4-BE49-F238E27FC236}">
-                <a16:creationId xmlns:a16="http://schemas.microsoft.com/office/drawing/2014/main" id="{C1F244C3-9783-15AE-4C84-B0EB85BA18A9}"/>
-              </a:ext>
-            </a:extLst>
-          </p:cNvPr>
+            <a:endParaRPr lang="en-US" dirty="0"/>
+          </a:p>
+        </p:txBody>
+      </p:sp>
+      <p:sp>
+        <p:nvSpPr>
+          <p:cNvPr id="3" name="Date Placeholder 2"/>
           <p:cNvSpPr>
             <a:spLocks noGrp="1"/>
           </p:cNvSpPr>
@@ -1954,7 +1717,7 @@
           <a:bodyPr/>
           <a:lstStyle/>
           <a:p>
-            <a:fld id="{E4816F38-9569-4D7C-85E5-8A45FD83931D}" type="datetimeFigureOut">
+            <a:fld id="{5DF865E4-319B-4A69-8DC6-41C379C063F9}" type="datetimeFigureOut">
               <a:rPr lang="en-US" smtClean="0"/>
               <a:t>10/31/2023</a:t>
             </a:fld>
@@ -1964,13 +1727,7 @@
       </p:sp>
       <p:sp>
         <p:nvSpPr>
-          <p:cNvPr id="4" name="Footer Placeholder 3">
-            <a:extLst>
-              <a:ext uri="{FF2B5EF4-FFF2-40B4-BE49-F238E27FC236}">
-                <a16:creationId xmlns:a16="http://schemas.microsoft.com/office/drawing/2014/main" id="{31B517AF-94A6-E1C0-D6D1-AAB5563A6248}"/>
-              </a:ext>
-            </a:extLst>
-          </p:cNvPr>
+          <p:cNvPr id="4" name="Footer Placeholder 3"/>
           <p:cNvSpPr>
             <a:spLocks noGrp="1"/>
           </p:cNvSpPr>
@@ -1989,13 +1746,7 @@
       </p:sp>
       <p:sp>
         <p:nvSpPr>
-          <p:cNvPr id="5" name="Slide Number Placeholder 4">
-            <a:extLst>
-              <a:ext uri="{FF2B5EF4-FFF2-40B4-BE49-F238E27FC236}">
-                <a16:creationId xmlns:a16="http://schemas.microsoft.com/office/drawing/2014/main" id="{1FF0910B-73D3-CBC2-CCF1-0D801D0C1D9B}"/>
-              </a:ext>
-            </a:extLst>
-          </p:cNvPr>
+          <p:cNvPr id="5" name="Slide Number Placeholder 4"/>
           <p:cNvSpPr>
             <a:spLocks noGrp="1"/>
           </p:cNvSpPr>
@@ -2008,7 +1759,7 @@
           <a:bodyPr/>
           <a:lstStyle/>
           <a:p>
-            <a:fld id="{0151D832-09E7-4113-8688-DF17C556BE75}" type="slidenum">
+            <a:fld id="{0E8929A2-ACFB-4E70-AC21-E6D0D9D0BBE4}" type="slidenum">
               <a:rPr lang="en-US" smtClean="0"/>
               <a:t>‹#›</a:t>
             </a:fld>
@@ -2019,7 +1770,7 @@
     </p:spTree>
     <p:extLst>
       <p:ext uri="{BB962C8B-B14F-4D97-AF65-F5344CB8AC3E}">
-        <p14:creationId xmlns:p14="http://schemas.microsoft.com/office/powerpoint/2010/main" val="4290235213"/>
+        <p14:creationId xmlns:p14="http://schemas.microsoft.com/office/powerpoint/2010/main" val="531595221"/>
       </p:ext>
     </p:extLst>
   </p:cSld>
@@ -2048,13 +1799,7 @@
       </p:grpSpPr>
       <p:sp>
         <p:nvSpPr>
-          <p:cNvPr id="2" name="Date Placeholder 1">
-            <a:extLst>
-              <a:ext uri="{FF2B5EF4-FFF2-40B4-BE49-F238E27FC236}">
-                <a16:creationId xmlns:a16="http://schemas.microsoft.com/office/drawing/2014/main" id="{D7D0AD88-367E-6CA2-1C54-FCBC1AF04898}"/>
-              </a:ext>
-            </a:extLst>
-          </p:cNvPr>
+          <p:cNvPr id="2" name="Date Placeholder 1"/>
           <p:cNvSpPr>
             <a:spLocks noGrp="1"/>
           </p:cNvSpPr>
@@ -2067,7 +1812,7 @@
           <a:bodyPr/>
           <a:lstStyle/>
           <a:p>
-            <a:fld id="{E4816F38-9569-4D7C-85E5-8A45FD83931D}" type="datetimeFigureOut">
+            <a:fld id="{5DF865E4-319B-4A69-8DC6-41C379C063F9}" type="datetimeFigureOut">
               <a:rPr lang="en-US" smtClean="0"/>
               <a:t>10/31/2023</a:t>
             </a:fld>
@@ -2077,13 +1822,7 @@
       </p:sp>
       <p:sp>
         <p:nvSpPr>
-          <p:cNvPr id="3" name="Footer Placeholder 2">
-            <a:extLst>
-              <a:ext uri="{FF2B5EF4-FFF2-40B4-BE49-F238E27FC236}">
-                <a16:creationId xmlns:a16="http://schemas.microsoft.com/office/drawing/2014/main" id="{03BA017E-7A35-9514-4EFE-22BEBC0323D9}"/>
-              </a:ext>
-            </a:extLst>
-          </p:cNvPr>
+          <p:cNvPr id="3" name="Footer Placeholder 2"/>
           <p:cNvSpPr>
             <a:spLocks noGrp="1"/>
           </p:cNvSpPr>
@@ -2102,13 +1841,7 @@
       </p:sp>
       <p:sp>
         <p:nvSpPr>
-          <p:cNvPr id="4" name="Slide Number Placeholder 3">
-            <a:extLst>
-              <a:ext uri="{FF2B5EF4-FFF2-40B4-BE49-F238E27FC236}">
-                <a16:creationId xmlns:a16="http://schemas.microsoft.com/office/drawing/2014/main" id="{C1AD4FD5-F371-E4F8-8AF6-52D740BAA2F8}"/>
-              </a:ext>
-            </a:extLst>
-          </p:cNvPr>
+          <p:cNvPr id="4" name="Slide Number Placeholder 3"/>
           <p:cNvSpPr>
             <a:spLocks noGrp="1"/>
           </p:cNvSpPr>
@@ -2121,7 +1854,7 @@
           <a:bodyPr/>
           <a:lstStyle/>
           <a:p>
-            <a:fld id="{0151D832-09E7-4113-8688-DF17C556BE75}" type="slidenum">
+            <a:fld id="{0E8929A2-ACFB-4E70-AC21-E6D0D9D0BBE4}" type="slidenum">
               <a:rPr lang="en-US" smtClean="0"/>
               <a:t>‹#›</a:t>
             </a:fld>
@@ -2132,7 +1865,7 @@
     </p:spTree>
     <p:extLst>
       <p:ext uri="{BB962C8B-B14F-4D97-AF65-F5344CB8AC3E}">
-        <p14:creationId xmlns:p14="http://schemas.microsoft.com/office/powerpoint/2010/main" val="3622703011"/>
+        <p14:creationId xmlns:p14="http://schemas.microsoft.com/office/powerpoint/2010/main" val="990204135"/>
       </p:ext>
     </p:extLst>
   </p:cSld>
@@ -2161,13 +1894,7 @@
       </p:grpSpPr>
       <p:sp>
         <p:nvSpPr>
-          <p:cNvPr id="2" name="Title 1">
-            <a:extLst>
-              <a:ext uri="{FF2B5EF4-FFF2-40B4-BE49-F238E27FC236}">
-                <a16:creationId xmlns:a16="http://schemas.microsoft.com/office/drawing/2014/main" id="{F8EBB4C5-5F0B-DF98-ED68-AEBA9152B82B}"/>
-              </a:ext>
-            </a:extLst>
-          </p:cNvPr>
+          <p:cNvPr id="2" name="Title 1"/>
           <p:cNvSpPr>
             <a:spLocks noGrp="1"/>
           </p:cNvSpPr>
@@ -2177,15 +1904,15 @@
         </p:nvSpPr>
         <p:spPr>
           <a:xfrm>
-            <a:off x="839788" y="457200"/>
-            <a:ext cx="3932237" cy="1600200"/>
+            <a:off x="566857" y="731520"/>
+            <a:ext cx="2654260" cy="2560320"/>
           </a:xfrm>
         </p:spPr>
         <p:txBody>
           <a:bodyPr anchor="b"/>
           <a:lstStyle>
             <a:lvl1pPr>
-              <a:defRPr sz="3200"/>
+              <a:defRPr sz="2880"/>
             </a:lvl1pPr>
           </a:lstStyle>
           <a:p>
@@ -2193,18 +1920,13 @@
               <a:rPr lang="en-US"/>
               <a:t>Click to edit Master title style</a:t>
             </a:r>
-          </a:p>
-        </p:txBody>
-      </p:sp>
-      <p:sp>
-        <p:nvSpPr>
-          <p:cNvPr id="3" name="Content Placeholder 2">
-            <a:extLst>
-              <a:ext uri="{FF2B5EF4-FFF2-40B4-BE49-F238E27FC236}">
-                <a16:creationId xmlns:a16="http://schemas.microsoft.com/office/drawing/2014/main" id="{01E26071-CC65-6B20-36E3-2F94A643EBC5}"/>
-              </a:ext>
-            </a:extLst>
-          </p:cNvPr>
+            <a:endParaRPr lang="en-US" dirty="0"/>
+          </a:p>
+        </p:txBody>
+      </p:sp>
+      <p:sp>
+        <p:nvSpPr>
+          <p:cNvPr id="3" name="Content Placeholder 2"/>
           <p:cNvSpPr>
             <a:spLocks noGrp="1"/>
           </p:cNvSpPr>
@@ -2214,39 +1936,39 @@
         </p:nvSpPr>
         <p:spPr>
           <a:xfrm>
-            <a:off x="5183188" y="987425"/>
-            <a:ext cx="6172200" cy="4873625"/>
+            <a:off x="3498652" y="1579882"/>
+            <a:ext cx="4166235" cy="7797800"/>
           </a:xfrm>
         </p:spPr>
         <p:txBody>
           <a:bodyPr/>
           <a:lstStyle>
             <a:lvl1pPr>
-              <a:defRPr sz="3200"/>
+              <a:defRPr sz="2880"/>
             </a:lvl1pPr>
             <a:lvl2pPr>
-              <a:defRPr sz="2800"/>
+              <a:defRPr sz="2520"/>
             </a:lvl2pPr>
             <a:lvl3pPr>
-              <a:defRPr sz="2400"/>
+              <a:defRPr sz="2160"/>
             </a:lvl3pPr>
             <a:lvl4pPr>
-              <a:defRPr sz="2000"/>
+              <a:defRPr sz="1800"/>
             </a:lvl4pPr>
             <a:lvl5pPr>
-              <a:defRPr sz="2000"/>
+              <a:defRPr sz="1800"/>
             </a:lvl5pPr>
             <a:lvl6pPr>
-              <a:defRPr sz="2000"/>
+              <a:defRPr sz="1800"/>
             </a:lvl6pPr>
             <a:lvl7pPr>
-              <a:defRPr sz="2000"/>
+              <a:defRPr sz="1800"/>
             </a:lvl7pPr>
             <a:lvl8pPr>
-              <a:defRPr sz="2000"/>
+              <a:defRPr sz="1800"/>
             </a:lvl8pPr>
             <a:lvl9pPr>
-              <a:defRPr sz="2000"/>
+              <a:defRPr sz="1800"/>
             </a:lvl9pPr>
           </a:lstStyle>
           <a:p>
@@ -2283,18 +2005,13 @@
               <a:rPr lang="en-US"/>
               <a:t>Fifth level</a:t>
             </a:r>
-          </a:p>
-        </p:txBody>
-      </p:sp>
-      <p:sp>
-        <p:nvSpPr>
-          <p:cNvPr id="4" name="Text Placeholder 3">
-            <a:extLst>
-              <a:ext uri="{FF2B5EF4-FFF2-40B4-BE49-F238E27FC236}">
-                <a16:creationId xmlns:a16="http://schemas.microsoft.com/office/drawing/2014/main" id="{3DAFBF08-B3A5-E696-EDA8-E79A8FCACC73}"/>
-              </a:ext>
-            </a:extLst>
-          </p:cNvPr>
+            <a:endParaRPr lang="en-US" dirty="0"/>
+          </a:p>
+        </p:txBody>
+      </p:sp>
+      <p:sp>
+        <p:nvSpPr>
+          <p:cNvPr id="4" name="Text Placeholder 3"/>
           <p:cNvSpPr>
             <a:spLocks noGrp="1"/>
           </p:cNvSpPr>
@@ -2304,8 +2021,8 @@
         </p:nvSpPr>
         <p:spPr>
           <a:xfrm>
-            <a:off x="839788" y="2057400"/>
-            <a:ext cx="3932237" cy="3811588"/>
+            <a:off x="566857" y="3291840"/>
+            <a:ext cx="2654260" cy="6098541"/>
           </a:xfrm>
         </p:spPr>
         <p:txBody>
@@ -2313,39 +2030,39 @@
           <a:lstStyle>
             <a:lvl1pPr marL="0" indent="0">
               <a:buNone/>
-              <a:defRPr sz="1600"/>
+              <a:defRPr sz="1440"/>
             </a:lvl1pPr>
-            <a:lvl2pPr marL="457200" indent="0">
-              <a:buNone/>
-              <a:defRPr sz="1400"/>
+            <a:lvl2pPr marL="411480" indent="0">
+              <a:buNone/>
+              <a:defRPr sz="1260"/>
             </a:lvl2pPr>
-            <a:lvl3pPr marL="914400" indent="0">
-              <a:buNone/>
-              <a:defRPr sz="1200"/>
+            <a:lvl3pPr marL="822960" indent="0">
+              <a:buNone/>
+              <a:defRPr sz="1080"/>
             </a:lvl3pPr>
-            <a:lvl4pPr marL="1371600" indent="0">
-              <a:buNone/>
-              <a:defRPr sz="1000"/>
+            <a:lvl4pPr marL="1234440" indent="0">
+              <a:buNone/>
+              <a:defRPr sz="900"/>
             </a:lvl4pPr>
-            <a:lvl5pPr marL="1828800" indent="0">
-              <a:buNone/>
-              <a:defRPr sz="1000"/>
+            <a:lvl5pPr marL="1645920" indent="0">
+              <a:buNone/>
+              <a:defRPr sz="900"/>
             </a:lvl5pPr>
-            <a:lvl6pPr marL="2286000" indent="0">
-              <a:buNone/>
-              <a:defRPr sz="1000"/>
+            <a:lvl6pPr marL="2057400" indent="0">
+              <a:buNone/>
+              <a:defRPr sz="900"/>
             </a:lvl6pPr>
-            <a:lvl7pPr marL="2743200" indent="0">
-              <a:buNone/>
-              <a:defRPr sz="1000"/>
+            <a:lvl7pPr marL="2468880" indent="0">
+              <a:buNone/>
+              <a:defRPr sz="900"/>
             </a:lvl7pPr>
-            <a:lvl8pPr marL="3200400" indent="0">
-              <a:buNone/>
-              <a:defRPr sz="1000"/>
+            <a:lvl8pPr marL="2880360" indent="0">
+              <a:buNone/>
+              <a:defRPr sz="900"/>
             </a:lvl8pPr>
-            <a:lvl9pPr marL="3657600" indent="0">
-              <a:buNone/>
-              <a:defRPr sz="1000"/>
+            <a:lvl9pPr marL="3291840" indent="0">
+              <a:buNone/>
+              <a:defRPr sz="900"/>
             </a:lvl9pPr>
           </a:lstStyle>
           <a:p>
@@ -2359,13 +2076,7 @@
       </p:sp>
       <p:sp>
         <p:nvSpPr>
-          <p:cNvPr id="5" name="Date Placeholder 4">
-            <a:extLst>
-              <a:ext uri="{FF2B5EF4-FFF2-40B4-BE49-F238E27FC236}">
-                <a16:creationId xmlns:a16="http://schemas.microsoft.com/office/drawing/2014/main" id="{C58BDA23-0E39-A55C-EFEE-5B22304C7CE3}"/>
-              </a:ext>
-            </a:extLst>
-          </p:cNvPr>
+          <p:cNvPr id="5" name="Date Placeholder 4"/>
           <p:cNvSpPr>
             <a:spLocks noGrp="1"/>
           </p:cNvSpPr>
@@ -2378,7 +2089,7 @@
           <a:bodyPr/>
           <a:lstStyle/>
           <a:p>
-            <a:fld id="{E4816F38-9569-4D7C-85E5-8A45FD83931D}" type="datetimeFigureOut">
+            <a:fld id="{5DF865E4-319B-4A69-8DC6-41C379C063F9}" type="datetimeFigureOut">
               <a:rPr lang="en-US" smtClean="0"/>
               <a:t>10/31/2023</a:t>
             </a:fld>
@@ -2388,13 +2099,7 @@
       </p:sp>
       <p:sp>
         <p:nvSpPr>
-          <p:cNvPr id="6" name="Footer Placeholder 5">
-            <a:extLst>
-              <a:ext uri="{FF2B5EF4-FFF2-40B4-BE49-F238E27FC236}">
-                <a16:creationId xmlns:a16="http://schemas.microsoft.com/office/drawing/2014/main" id="{17100167-7452-BD57-947E-06EADB3258D2}"/>
-              </a:ext>
-            </a:extLst>
-          </p:cNvPr>
+          <p:cNvPr id="6" name="Footer Placeholder 5"/>
           <p:cNvSpPr>
             <a:spLocks noGrp="1"/>
           </p:cNvSpPr>
@@ -2413,13 +2118,7 @@
       </p:sp>
       <p:sp>
         <p:nvSpPr>
-          <p:cNvPr id="7" name="Slide Number Placeholder 6">
-            <a:extLst>
-              <a:ext uri="{FF2B5EF4-FFF2-40B4-BE49-F238E27FC236}">
-                <a16:creationId xmlns:a16="http://schemas.microsoft.com/office/drawing/2014/main" id="{A75E7FC1-2782-3FF8-9E6A-F2D022AD42F8}"/>
-              </a:ext>
-            </a:extLst>
-          </p:cNvPr>
+          <p:cNvPr id="7" name="Slide Number Placeholder 6"/>
           <p:cNvSpPr>
             <a:spLocks noGrp="1"/>
           </p:cNvSpPr>
@@ -2432,7 +2131,7 @@
           <a:bodyPr/>
           <a:lstStyle/>
           <a:p>
-            <a:fld id="{0151D832-09E7-4113-8688-DF17C556BE75}" type="slidenum">
+            <a:fld id="{0E8929A2-ACFB-4E70-AC21-E6D0D9D0BBE4}" type="slidenum">
               <a:rPr lang="en-US" smtClean="0"/>
               <a:t>‹#›</a:t>
             </a:fld>
@@ -2443,7 +2142,7 @@
     </p:spTree>
     <p:extLst>
       <p:ext uri="{BB962C8B-B14F-4D97-AF65-F5344CB8AC3E}">
-        <p14:creationId xmlns:p14="http://schemas.microsoft.com/office/powerpoint/2010/main" val="1732973283"/>
+        <p14:creationId xmlns:p14="http://schemas.microsoft.com/office/powerpoint/2010/main" val="3587573826"/>
       </p:ext>
     </p:extLst>
   </p:cSld>
@@ -2472,13 +2171,7 @@
       </p:grpSpPr>
       <p:sp>
         <p:nvSpPr>
-          <p:cNvPr id="2" name="Title 1">
-            <a:extLst>
-              <a:ext uri="{FF2B5EF4-FFF2-40B4-BE49-F238E27FC236}">
-                <a16:creationId xmlns:a16="http://schemas.microsoft.com/office/drawing/2014/main" id="{1A830092-78EC-429F-E524-B67F008B1A67}"/>
-              </a:ext>
-            </a:extLst>
-          </p:cNvPr>
+          <p:cNvPr id="2" name="Title 1"/>
           <p:cNvSpPr>
             <a:spLocks noGrp="1"/>
           </p:cNvSpPr>
@@ -2488,15 +2181,15 @@
         </p:nvSpPr>
         <p:spPr>
           <a:xfrm>
-            <a:off x="839788" y="457200"/>
-            <a:ext cx="3932237" cy="1600200"/>
+            <a:off x="566857" y="731520"/>
+            <a:ext cx="2654260" cy="2560320"/>
           </a:xfrm>
         </p:spPr>
         <p:txBody>
           <a:bodyPr anchor="b"/>
           <a:lstStyle>
             <a:lvl1pPr>
-              <a:defRPr sz="3200"/>
+              <a:defRPr sz="2880"/>
             </a:lvl1pPr>
           </a:lstStyle>
           <a:p>
@@ -2504,20 +2197,15 @@
               <a:rPr lang="en-US"/>
               <a:t>Click to edit Master title style</a:t>
             </a:r>
-          </a:p>
-        </p:txBody>
-      </p:sp>
-      <p:sp>
-        <p:nvSpPr>
-          <p:cNvPr id="3" name="Picture Placeholder 2">
-            <a:extLst>
-              <a:ext uri="{FF2B5EF4-FFF2-40B4-BE49-F238E27FC236}">
-                <a16:creationId xmlns:a16="http://schemas.microsoft.com/office/drawing/2014/main" id="{553AD915-8806-533D-BBC9-42851FCA1034}"/>
-              </a:ext>
-            </a:extLst>
-          </p:cNvPr>
-          <p:cNvSpPr>
-            <a:spLocks noGrp="1"/>
+            <a:endParaRPr lang="en-US" dirty="0"/>
+          </a:p>
+        </p:txBody>
+      </p:sp>
+      <p:sp>
+        <p:nvSpPr>
+          <p:cNvPr id="3" name="Picture Placeholder 2"/>
+          <p:cNvSpPr>
+            <a:spLocks noGrp="1" noChangeAspect="1"/>
           </p:cNvSpPr>
           <p:nvPr>
             <p:ph type="pic" idx="1"/>
@@ -2525,64 +2213,62 @@
         </p:nvSpPr>
         <p:spPr>
           <a:xfrm>
-            <a:off x="5183188" y="987425"/>
-            <a:ext cx="6172200" cy="4873625"/>
+            <a:off x="3498652" y="1579882"/>
+            <a:ext cx="4166235" cy="7797800"/>
           </a:xfrm>
         </p:spPr>
         <p:txBody>
-          <a:bodyPr/>
+          <a:bodyPr anchor="t"/>
           <a:lstStyle>
             <a:lvl1pPr marL="0" indent="0">
               <a:buNone/>
-              <a:defRPr sz="3200"/>
+              <a:defRPr sz="2880"/>
             </a:lvl1pPr>
-            <a:lvl2pPr marL="457200" indent="0">
-              <a:buNone/>
-              <a:defRPr sz="2800"/>
+            <a:lvl2pPr marL="411480" indent="0">
+              <a:buNone/>
+              <a:defRPr sz="2520"/>
             </a:lvl2pPr>
-            <a:lvl3pPr marL="914400" indent="0">
-              <a:buNone/>
-              <a:defRPr sz="2400"/>
+            <a:lvl3pPr marL="822960" indent="0">
+              <a:buNone/>
+              <a:defRPr sz="2160"/>
             </a:lvl3pPr>
-            <a:lvl4pPr marL="1371600" indent="0">
-              <a:buNone/>
-              <a:defRPr sz="2000"/>
+            <a:lvl4pPr marL="1234440" indent="0">
+              <a:buNone/>
+              <a:defRPr sz="1800"/>
             </a:lvl4pPr>
-            <a:lvl5pPr marL="1828800" indent="0">
-              <a:buNone/>
-              <a:defRPr sz="2000"/>
+            <a:lvl5pPr marL="1645920" indent="0">
+              <a:buNone/>
+              <a:defRPr sz="1800"/>
             </a:lvl5pPr>
-            <a:lvl6pPr marL="2286000" indent="0">
-              <a:buNone/>
-              <a:defRPr sz="2000"/>
+            <a:lvl6pPr marL="2057400" indent="0">
+              <a:buNone/>
+              <a:defRPr sz="1800"/>
             </a:lvl6pPr>
-            <a:lvl7pPr marL="2743200" indent="0">
-              <a:buNone/>
-              <a:defRPr sz="2000"/>
+            <a:lvl7pPr marL="2468880" indent="0">
+              <a:buNone/>
+              <a:defRPr sz="1800"/>
             </a:lvl7pPr>
-            <a:lvl8pPr marL="3200400" indent="0">
-              <a:buNone/>
-              <a:defRPr sz="2000"/>
+            <a:lvl8pPr marL="2880360" indent="0">
+              <a:buNone/>
+              <a:defRPr sz="1800"/>
             </a:lvl8pPr>
-            <a:lvl9pPr marL="3657600" indent="0">
-              <a:buNone/>
-              <a:defRPr sz="2000"/>
+            <a:lvl9pPr marL="3291840" indent="0">
+              <a:buNone/>
+              <a:defRPr sz="1800"/>
             </a:lvl9pPr>
           </a:lstStyle>
           <a:p>
-            <a:endParaRPr lang="en-US"/>
-          </a:p>
-        </p:txBody>
-      </p:sp>
-      <p:sp>
-        <p:nvSpPr>
-          <p:cNvPr id="4" name="Text Placeholder 3">
-            <a:extLst>
-              <a:ext uri="{FF2B5EF4-FFF2-40B4-BE49-F238E27FC236}">
-                <a16:creationId xmlns:a16="http://schemas.microsoft.com/office/drawing/2014/main" id="{F440805A-EB66-3A5F-351A-B03D1D6764CC}"/>
-              </a:ext>
-            </a:extLst>
-          </p:cNvPr>
+            <a:r>
+              <a:rPr lang="en-US"/>
+              <a:t>Click icon to add picture</a:t>
+            </a:r>
+            <a:endParaRPr lang="en-US" dirty="0"/>
+          </a:p>
+        </p:txBody>
+      </p:sp>
+      <p:sp>
+        <p:nvSpPr>
+          <p:cNvPr id="4" name="Text Placeholder 3"/>
           <p:cNvSpPr>
             <a:spLocks noGrp="1"/>
           </p:cNvSpPr>
@@ -2592,8 +2278,8 @@
         </p:nvSpPr>
         <p:spPr>
           <a:xfrm>
-            <a:off x="839788" y="2057400"/>
-            <a:ext cx="3932237" cy="3811588"/>
+            <a:off x="566857" y="3291840"/>
+            <a:ext cx="2654260" cy="6098541"/>
           </a:xfrm>
         </p:spPr>
         <p:txBody>
@@ -2601,39 +2287,39 @@
           <a:lstStyle>
             <a:lvl1pPr marL="0" indent="0">
               <a:buNone/>
-              <a:defRPr sz="1600"/>
+              <a:defRPr sz="1440"/>
             </a:lvl1pPr>
-            <a:lvl2pPr marL="457200" indent="0">
-              <a:buNone/>
-              <a:defRPr sz="1400"/>
+            <a:lvl2pPr marL="411480" indent="0">
+              <a:buNone/>
+              <a:defRPr sz="1260"/>
             </a:lvl2pPr>
-            <a:lvl3pPr marL="914400" indent="0">
-              <a:buNone/>
-              <a:defRPr sz="1200"/>
+            <a:lvl3pPr marL="822960" indent="0">
+              <a:buNone/>
+              <a:defRPr sz="1080"/>
             </a:lvl3pPr>
-            <a:lvl4pPr marL="1371600" indent="0">
-              <a:buNone/>
-              <a:defRPr sz="1000"/>
+            <a:lvl4pPr marL="1234440" indent="0">
+              <a:buNone/>
+              <a:defRPr sz="900"/>
             </a:lvl4pPr>
-            <a:lvl5pPr marL="1828800" indent="0">
-              <a:buNone/>
-              <a:defRPr sz="1000"/>
+            <a:lvl5pPr marL="1645920" indent="0">
+              <a:buNone/>
+              <a:defRPr sz="900"/>
             </a:lvl5pPr>
-            <a:lvl6pPr marL="2286000" indent="0">
-              <a:buNone/>
-              <a:defRPr sz="1000"/>
+            <a:lvl6pPr marL="2057400" indent="0">
+              <a:buNone/>
+              <a:defRPr sz="900"/>
             </a:lvl6pPr>
-            <a:lvl7pPr marL="2743200" indent="0">
-              <a:buNone/>
-              <a:defRPr sz="1000"/>
+            <a:lvl7pPr marL="2468880" indent="0">
+              <a:buNone/>
+              <a:defRPr sz="900"/>
             </a:lvl7pPr>
-            <a:lvl8pPr marL="3200400" indent="0">
-              <a:buNone/>
-              <a:defRPr sz="1000"/>
+            <a:lvl8pPr marL="2880360" indent="0">
+              <a:buNone/>
+              <a:defRPr sz="900"/>
             </a:lvl8pPr>
-            <a:lvl9pPr marL="3657600" indent="0">
-              <a:buNone/>
-              <a:defRPr sz="1000"/>
+            <a:lvl9pPr marL="3291840" indent="0">
+              <a:buNone/>
+              <a:defRPr sz="900"/>
             </a:lvl9pPr>
           </a:lstStyle>
           <a:p>
@@ -2647,13 +2333,7 @@
       </p:sp>
       <p:sp>
         <p:nvSpPr>
-          <p:cNvPr id="5" name="Date Placeholder 4">
-            <a:extLst>
-              <a:ext uri="{FF2B5EF4-FFF2-40B4-BE49-F238E27FC236}">
-                <a16:creationId xmlns:a16="http://schemas.microsoft.com/office/drawing/2014/main" id="{F06C581C-D8AB-C826-8296-EF7333D32F4F}"/>
-              </a:ext>
-            </a:extLst>
-          </p:cNvPr>
+          <p:cNvPr id="5" name="Date Placeholder 4"/>
           <p:cNvSpPr>
             <a:spLocks noGrp="1"/>
           </p:cNvSpPr>
@@ -2666,7 +2346,7 @@
           <a:bodyPr/>
           <a:lstStyle/>
           <a:p>
-            <a:fld id="{E4816F38-9569-4D7C-85E5-8A45FD83931D}" type="datetimeFigureOut">
+            <a:fld id="{5DF865E4-319B-4A69-8DC6-41C379C063F9}" type="datetimeFigureOut">
               <a:rPr lang="en-US" smtClean="0"/>
               <a:t>10/31/2023</a:t>
             </a:fld>
@@ -2676,13 +2356,7 @@
       </p:sp>
       <p:sp>
         <p:nvSpPr>
-          <p:cNvPr id="6" name="Footer Placeholder 5">
-            <a:extLst>
-              <a:ext uri="{FF2B5EF4-FFF2-40B4-BE49-F238E27FC236}">
-                <a16:creationId xmlns:a16="http://schemas.microsoft.com/office/drawing/2014/main" id="{634D1634-D852-E813-CC9A-E147FF7D1483}"/>
-              </a:ext>
-            </a:extLst>
-          </p:cNvPr>
+          <p:cNvPr id="6" name="Footer Placeholder 5"/>
           <p:cNvSpPr>
             <a:spLocks noGrp="1"/>
           </p:cNvSpPr>
@@ -2701,13 +2375,7 @@
       </p:sp>
       <p:sp>
         <p:nvSpPr>
-          <p:cNvPr id="7" name="Slide Number Placeholder 6">
-            <a:extLst>
-              <a:ext uri="{FF2B5EF4-FFF2-40B4-BE49-F238E27FC236}">
-                <a16:creationId xmlns:a16="http://schemas.microsoft.com/office/drawing/2014/main" id="{5D5D8CA7-3600-04B4-E22A-77D93FA09C8E}"/>
-              </a:ext>
-            </a:extLst>
-          </p:cNvPr>
+          <p:cNvPr id="7" name="Slide Number Placeholder 6"/>
           <p:cNvSpPr>
             <a:spLocks noGrp="1"/>
           </p:cNvSpPr>
@@ -2720,7 +2388,7 @@
           <a:bodyPr/>
           <a:lstStyle/>
           <a:p>
-            <a:fld id="{0151D832-09E7-4113-8688-DF17C556BE75}" type="slidenum">
+            <a:fld id="{0E8929A2-ACFB-4E70-AC21-E6D0D9D0BBE4}" type="slidenum">
               <a:rPr lang="en-US" smtClean="0"/>
               <a:t>‹#›</a:t>
             </a:fld>
@@ -2731,7 +2399,7 @@
     </p:spTree>
     <p:extLst>
       <p:ext uri="{BB962C8B-B14F-4D97-AF65-F5344CB8AC3E}">
-        <p14:creationId xmlns:p14="http://schemas.microsoft.com/office/powerpoint/2010/main" val="1590883886"/>
+        <p14:creationId xmlns:p14="http://schemas.microsoft.com/office/powerpoint/2010/main" val="2718714894"/>
       </p:ext>
     </p:extLst>
   </p:cSld>
@@ -2765,13 +2433,7 @@
       </p:grpSpPr>
       <p:sp>
         <p:nvSpPr>
-          <p:cNvPr id="2" name="Title Placeholder 1">
-            <a:extLst>
-              <a:ext uri="{FF2B5EF4-FFF2-40B4-BE49-F238E27FC236}">
-                <a16:creationId xmlns:a16="http://schemas.microsoft.com/office/drawing/2014/main" id="{239A2C26-1822-9B92-789A-2220A4BD26AE}"/>
-              </a:ext>
-            </a:extLst>
-          </p:cNvPr>
+          <p:cNvPr id="2" name="Title Placeholder 1"/>
           <p:cNvSpPr>
             <a:spLocks noGrp="1"/>
           </p:cNvSpPr>
@@ -2781,8 +2443,8 @@
         </p:nvSpPr>
         <p:spPr>
           <a:xfrm>
-            <a:off x="838200" y="365125"/>
-            <a:ext cx="10515600" cy="1325563"/>
+            <a:off x="565785" y="584202"/>
+            <a:ext cx="7098030" cy="2120901"/>
           </a:xfrm>
           <a:prstGeom prst="rect">
             <a:avLst/>
@@ -2798,18 +2460,13 @@
               <a:rPr lang="en-US"/>
               <a:t>Click to edit Master title style</a:t>
             </a:r>
-          </a:p>
-        </p:txBody>
-      </p:sp>
-      <p:sp>
-        <p:nvSpPr>
-          <p:cNvPr id="3" name="Text Placeholder 2">
-            <a:extLst>
-              <a:ext uri="{FF2B5EF4-FFF2-40B4-BE49-F238E27FC236}">
-                <a16:creationId xmlns:a16="http://schemas.microsoft.com/office/drawing/2014/main" id="{84C8FE2E-4BEB-F5A8-4306-53A952E30994}"/>
-              </a:ext>
-            </a:extLst>
-          </p:cNvPr>
+            <a:endParaRPr lang="en-US" dirty="0"/>
+          </a:p>
+        </p:txBody>
+      </p:sp>
+      <p:sp>
+        <p:nvSpPr>
+          <p:cNvPr id="3" name="Text Placeholder 2"/>
           <p:cNvSpPr>
             <a:spLocks noGrp="1"/>
           </p:cNvSpPr>
@@ -2819,8 +2476,8 @@
         </p:nvSpPr>
         <p:spPr>
           <a:xfrm>
-            <a:off x="838200" y="1825625"/>
-            <a:ext cx="10515600" cy="4351338"/>
+            <a:off x="565785" y="2921000"/>
+            <a:ext cx="7098030" cy="6962141"/>
           </a:xfrm>
           <a:prstGeom prst="rect">
             <a:avLst/>
@@ -2865,18 +2522,13 @@
               <a:rPr lang="en-US"/>
               <a:t>Fifth level</a:t>
             </a:r>
-          </a:p>
-        </p:txBody>
-      </p:sp>
-      <p:sp>
-        <p:nvSpPr>
-          <p:cNvPr id="4" name="Date Placeholder 3">
-            <a:extLst>
-              <a:ext uri="{FF2B5EF4-FFF2-40B4-BE49-F238E27FC236}">
-                <a16:creationId xmlns:a16="http://schemas.microsoft.com/office/drawing/2014/main" id="{3385564C-8EAD-AE8E-BC37-93F1FEED3200}"/>
-              </a:ext>
-            </a:extLst>
-          </p:cNvPr>
+            <a:endParaRPr lang="en-US" dirty="0"/>
+          </a:p>
+        </p:txBody>
+      </p:sp>
+      <p:sp>
+        <p:nvSpPr>
+          <p:cNvPr id="4" name="Date Placeholder 3"/>
           <p:cNvSpPr>
             <a:spLocks noGrp="1"/>
           </p:cNvSpPr>
@@ -2886,8 +2538,8 @@
         </p:nvSpPr>
         <p:spPr>
           <a:xfrm>
-            <a:off x="838200" y="6356350"/>
-            <a:ext cx="2743200" cy="365125"/>
+            <a:off x="565785" y="10170162"/>
+            <a:ext cx="1851660" cy="584200"/>
           </a:xfrm>
           <a:prstGeom prst="rect">
             <a:avLst/>
@@ -2897,7 +2549,7 @@
           <a:bodyPr vert="horz" lIns="91440" tIns="45720" rIns="91440" bIns="45720" rtlCol="0" anchor="ctr"/>
           <a:lstStyle>
             <a:lvl1pPr algn="l">
-              <a:defRPr sz="1200">
+              <a:defRPr sz="1080">
                 <a:solidFill>
                   <a:schemeClr val="tx1">
                     <a:tint val="75000"/>
@@ -2907,7 +2559,7 @@
             </a:lvl1pPr>
           </a:lstStyle>
           <a:p>
-            <a:fld id="{E4816F38-9569-4D7C-85E5-8A45FD83931D}" type="datetimeFigureOut">
+            <a:fld id="{5DF865E4-319B-4A69-8DC6-41C379C063F9}" type="datetimeFigureOut">
               <a:rPr lang="en-US" smtClean="0"/>
               <a:t>10/31/2023</a:t>
             </a:fld>
@@ -2917,13 +2569,7 @@
       </p:sp>
       <p:sp>
         <p:nvSpPr>
-          <p:cNvPr id="5" name="Footer Placeholder 4">
-            <a:extLst>
-              <a:ext uri="{FF2B5EF4-FFF2-40B4-BE49-F238E27FC236}">
-                <a16:creationId xmlns:a16="http://schemas.microsoft.com/office/drawing/2014/main" id="{6797B702-2599-B984-1376-F6A50D42280E}"/>
-              </a:ext>
-            </a:extLst>
-          </p:cNvPr>
+          <p:cNvPr id="5" name="Footer Placeholder 4"/>
           <p:cNvSpPr>
             <a:spLocks noGrp="1"/>
           </p:cNvSpPr>
@@ -2933,8 +2579,8 @@
         </p:nvSpPr>
         <p:spPr>
           <a:xfrm>
-            <a:off x="4038600" y="6356350"/>
-            <a:ext cx="4114800" cy="365125"/>
+            <a:off x="2726055" y="10170162"/>
+            <a:ext cx="2777490" cy="584200"/>
           </a:xfrm>
           <a:prstGeom prst="rect">
             <a:avLst/>
@@ -2944,7 +2590,7 @@
           <a:bodyPr vert="horz" lIns="91440" tIns="45720" rIns="91440" bIns="45720" rtlCol="0" anchor="ctr"/>
           <a:lstStyle>
             <a:lvl1pPr algn="ctr">
-              <a:defRPr sz="1200">
+              <a:defRPr sz="1080">
                 <a:solidFill>
                   <a:schemeClr val="tx1">
                     <a:tint val="75000"/>
@@ -2960,13 +2606,7 @@
       </p:sp>
       <p:sp>
         <p:nvSpPr>
-          <p:cNvPr id="6" name="Slide Number Placeholder 5">
-            <a:extLst>
-              <a:ext uri="{FF2B5EF4-FFF2-40B4-BE49-F238E27FC236}">
-                <a16:creationId xmlns:a16="http://schemas.microsoft.com/office/drawing/2014/main" id="{12DBC21E-1656-E97D-C3D9-C362E6EE4042}"/>
-              </a:ext>
-            </a:extLst>
-          </p:cNvPr>
+          <p:cNvPr id="6" name="Slide Number Placeholder 5"/>
           <p:cNvSpPr>
             <a:spLocks noGrp="1"/>
           </p:cNvSpPr>
@@ -2976,8 +2616,8 @@
         </p:nvSpPr>
         <p:spPr>
           <a:xfrm>
-            <a:off x="8610600" y="6356350"/>
-            <a:ext cx="2743200" cy="365125"/>
+            <a:off x="5812155" y="10170162"/>
+            <a:ext cx="1851660" cy="584200"/>
           </a:xfrm>
           <a:prstGeom prst="rect">
             <a:avLst/>
@@ -2987,7 +2627,7 @@
           <a:bodyPr vert="horz" lIns="91440" tIns="45720" rIns="91440" bIns="45720" rtlCol="0" anchor="ctr"/>
           <a:lstStyle>
             <a:lvl1pPr algn="r">
-              <a:defRPr sz="1200">
+              <a:defRPr sz="1080">
                 <a:solidFill>
                   <a:schemeClr val="tx1">
                     <a:tint val="75000"/>
@@ -2997,7 +2637,7 @@
             </a:lvl1pPr>
           </a:lstStyle>
           <a:p>
-            <a:fld id="{0151D832-09E7-4113-8688-DF17C556BE75}" type="slidenum">
+            <a:fld id="{0E8929A2-ACFB-4E70-AC21-E6D0D9D0BBE4}" type="slidenum">
               <a:rPr lang="en-US" smtClean="0"/>
               <a:t>‹#›</a:t>
             </a:fld>
@@ -3008,27 +2648,27 @@
     </p:spTree>
     <p:extLst>
       <p:ext uri="{BB962C8B-B14F-4D97-AF65-F5344CB8AC3E}">
-        <p14:creationId xmlns:p14="http://schemas.microsoft.com/office/powerpoint/2010/main" val="3375946412"/>
+        <p14:creationId xmlns:p14="http://schemas.microsoft.com/office/powerpoint/2010/main" val="1260047656"/>
       </p:ext>
     </p:extLst>
   </p:cSld>
   <p:clrMap bg1="lt1" tx1="dk1" bg2="lt2" tx2="dk2" accent1="accent1" accent2="accent2" accent3="accent3" accent4="accent4" accent5="accent5" accent6="accent6" hlink="hlink" folHlink="folHlink"/>
   <p:sldLayoutIdLst>
-    <p:sldLayoutId id="2147483649" r:id="rId1"/>
-    <p:sldLayoutId id="2147483650" r:id="rId2"/>
-    <p:sldLayoutId id="2147483651" r:id="rId3"/>
-    <p:sldLayoutId id="2147483652" r:id="rId4"/>
-    <p:sldLayoutId id="2147483653" r:id="rId5"/>
-    <p:sldLayoutId id="2147483654" r:id="rId6"/>
-    <p:sldLayoutId id="2147483655" r:id="rId7"/>
-    <p:sldLayoutId id="2147483656" r:id="rId8"/>
-    <p:sldLayoutId id="2147483657" r:id="rId9"/>
-    <p:sldLayoutId id="2147483658" r:id="rId10"/>
-    <p:sldLayoutId id="2147483659" r:id="rId11"/>
+    <p:sldLayoutId id="2147483661" r:id="rId1"/>
+    <p:sldLayoutId id="2147483662" r:id="rId2"/>
+    <p:sldLayoutId id="2147483663" r:id="rId3"/>
+    <p:sldLayoutId id="2147483664" r:id="rId4"/>
+    <p:sldLayoutId id="2147483665" r:id="rId5"/>
+    <p:sldLayoutId id="2147483666" r:id="rId6"/>
+    <p:sldLayoutId id="2147483667" r:id="rId7"/>
+    <p:sldLayoutId id="2147483668" r:id="rId8"/>
+    <p:sldLayoutId id="2147483669" r:id="rId9"/>
+    <p:sldLayoutId id="2147483670" r:id="rId10"/>
+    <p:sldLayoutId id="2147483671" r:id="rId11"/>
   </p:sldLayoutIdLst>
   <p:txStyles>
     <p:titleStyle>
-      <a:lvl1pPr algn="l" defTabSz="914400" rtl="0" eaLnBrk="1" latinLnBrk="0" hangingPunct="1">
+      <a:lvl1pPr algn="l" defTabSz="822960" rtl="0" eaLnBrk="1" latinLnBrk="0" hangingPunct="1">
         <a:lnSpc>
           <a:spcPct val="90000"/>
         </a:lnSpc>
@@ -3036,7 +2676,7 @@
           <a:spcPct val="0"/>
         </a:spcBef>
         <a:buNone/>
-        <a:defRPr sz="4400" kern="1200">
+        <a:defRPr sz="3960" kern="1200">
           <a:solidFill>
             <a:schemeClr val="tx1"/>
           </a:solidFill>
@@ -3047,16 +2687,16 @@
       </a:lvl1pPr>
     </p:titleStyle>
     <p:bodyStyle>
-      <a:lvl1pPr marL="228600" indent="-228600" algn="l" defTabSz="914400" rtl="0" eaLnBrk="1" latinLnBrk="0" hangingPunct="1">
+      <a:lvl1pPr marL="205740" indent="-205740" algn="l" defTabSz="822960" rtl="0" eaLnBrk="1" latinLnBrk="0" hangingPunct="1">
         <a:lnSpc>
           <a:spcPct val="90000"/>
         </a:lnSpc>
         <a:spcBef>
-          <a:spcPts val="1000"/>
+          <a:spcPts val="900"/>
         </a:spcBef>
         <a:buFont typeface="Arial" panose="020B0604020202020204" pitchFamily="34" charset="0"/>
         <a:buChar char="•"/>
-        <a:defRPr sz="2800" kern="1200">
+        <a:defRPr sz="2520" kern="1200">
           <a:solidFill>
             <a:schemeClr val="tx1"/>
           </a:solidFill>
@@ -3065,16 +2705,16 @@
           <a:cs typeface="+mn-cs"/>
         </a:defRPr>
       </a:lvl1pPr>
-      <a:lvl2pPr marL="685800" indent="-228600" algn="l" defTabSz="914400" rtl="0" eaLnBrk="1" latinLnBrk="0" hangingPunct="1">
+      <a:lvl2pPr marL="617220" indent="-205740" algn="l" defTabSz="822960" rtl="0" eaLnBrk="1" latinLnBrk="0" hangingPunct="1">
         <a:lnSpc>
           <a:spcPct val="90000"/>
         </a:lnSpc>
         <a:spcBef>
-          <a:spcPts val="500"/>
+          <a:spcPts val="450"/>
         </a:spcBef>
         <a:buFont typeface="Arial" panose="020B0604020202020204" pitchFamily="34" charset="0"/>
         <a:buChar char="•"/>
-        <a:defRPr sz="2400" kern="1200">
+        <a:defRPr sz="2160" kern="1200">
           <a:solidFill>
             <a:schemeClr val="tx1"/>
           </a:solidFill>
@@ -3083,30 +2723,12 @@
           <a:cs typeface="+mn-cs"/>
         </a:defRPr>
       </a:lvl2pPr>
-      <a:lvl3pPr marL="1143000" indent="-228600" algn="l" defTabSz="914400" rtl="0" eaLnBrk="1" latinLnBrk="0" hangingPunct="1">
+      <a:lvl3pPr marL="1028700" indent="-205740" algn="l" defTabSz="822960" rtl="0" eaLnBrk="1" latinLnBrk="0" hangingPunct="1">
         <a:lnSpc>
           <a:spcPct val="90000"/>
         </a:lnSpc>
         <a:spcBef>
-          <a:spcPts val="500"/>
-        </a:spcBef>
-        <a:buFont typeface="Arial" panose="020B0604020202020204" pitchFamily="34" charset="0"/>
-        <a:buChar char="•"/>
-        <a:defRPr sz="2000" kern="1200">
-          <a:solidFill>
-            <a:schemeClr val="tx1"/>
-          </a:solidFill>
-          <a:latin typeface="+mn-lt"/>
-          <a:ea typeface="+mn-ea"/>
-          <a:cs typeface="+mn-cs"/>
-        </a:defRPr>
-      </a:lvl3pPr>
-      <a:lvl4pPr marL="1600200" indent="-228600" algn="l" defTabSz="914400" rtl="0" eaLnBrk="1" latinLnBrk="0" hangingPunct="1">
-        <a:lnSpc>
-          <a:spcPct val="90000"/>
-        </a:lnSpc>
-        <a:spcBef>
-          <a:spcPts val="500"/>
+          <a:spcPts val="450"/>
         </a:spcBef>
         <a:buFont typeface="Arial" panose="020B0604020202020204" pitchFamily="34" charset="0"/>
         <a:buChar char="•"/>
@@ -3118,17 +2740,35 @@
           <a:ea typeface="+mn-ea"/>
           <a:cs typeface="+mn-cs"/>
         </a:defRPr>
-      </a:lvl4pPr>
-      <a:lvl5pPr marL="2057400" indent="-228600" algn="l" defTabSz="914400" rtl="0" eaLnBrk="1" latinLnBrk="0" hangingPunct="1">
+      </a:lvl3pPr>
+      <a:lvl4pPr marL="1440180" indent="-205740" algn="l" defTabSz="822960" rtl="0" eaLnBrk="1" latinLnBrk="0" hangingPunct="1">
         <a:lnSpc>
           <a:spcPct val="90000"/>
         </a:lnSpc>
         <a:spcBef>
-          <a:spcPts val="500"/>
+          <a:spcPts val="450"/>
         </a:spcBef>
         <a:buFont typeface="Arial" panose="020B0604020202020204" pitchFamily="34" charset="0"/>
         <a:buChar char="•"/>
-        <a:defRPr sz="1800" kern="1200">
+        <a:defRPr sz="1620" kern="1200">
+          <a:solidFill>
+            <a:schemeClr val="tx1"/>
+          </a:solidFill>
+          <a:latin typeface="+mn-lt"/>
+          <a:ea typeface="+mn-ea"/>
+          <a:cs typeface="+mn-cs"/>
+        </a:defRPr>
+      </a:lvl4pPr>
+      <a:lvl5pPr marL="1851660" indent="-205740" algn="l" defTabSz="822960" rtl="0" eaLnBrk="1" latinLnBrk="0" hangingPunct="1">
+        <a:lnSpc>
+          <a:spcPct val="90000"/>
+        </a:lnSpc>
+        <a:spcBef>
+          <a:spcPts val="450"/>
+        </a:spcBef>
+        <a:buFont typeface="Arial" panose="020B0604020202020204" pitchFamily="34" charset="0"/>
+        <a:buChar char="•"/>
+        <a:defRPr sz="1620" kern="1200">
           <a:solidFill>
             <a:schemeClr val="tx1"/>
           </a:solidFill>
@@ -3137,16 +2777,16 @@
           <a:cs typeface="+mn-cs"/>
         </a:defRPr>
       </a:lvl5pPr>
-      <a:lvl6pPr marL="2514600" indent="-228600" algn="l" defTabSz="914400" rtl="0" eaLnBrk="1" latinLnBrk="0" hangingPunct="1">
+      <a:lvl6pPr marL="2263140" indent="-205740" algn="l" defTabSz="822960" rtl="0" eaLnBrk="1" latinLnBrk="0" hangingPunct="1">
         <a:lnSpc>
           <a:spcPct val="90000"/>
         </a:lnSpc>
         <a:spcBef>
-          <a:spcPts val="500"/>
+          <a:spcPts val="450"/>
         </a:spcBef>
         <a:buFont typeface="Arial" panose="020B0604020202020204" pitchFamily="34" charset="0"/>
         <a:buChar char="•"/>
-        <a:defRPr sz="1800" kern="1200">
+        <a:defRPr sz="1620" kern="1200">
           <a:solidFill>
             <a:schemeClr val="tx1"/>
           </a:solidFill>
@@ -3155,16 +2795,16 @@
           <a:cs typeface="+mn-cs"/>
         </a:defRPr>
       </a:lvl6pPr>
-      <a:lvl7pPr marL="2971800" indent="-228600" algn="l" defTabSz="914400" rtl="0" eaLnBrk="1" latinLnBrk="0" hangingPunct="1">
+      <a:lvl7pPr marL="2674620" indent="-205740" algn="l" defTabSz="822960" rtl="0" eaLnBrk="1" latinLnBrk="0" hangingPunct="1">
         <a:lnSpc>
           <a:spcPct val="90000"/>
         </a:lnSpc>
         <a:spcBef>
-          <a:spcPts val="500"/>
+          <a:spcPts val="450"/>
         </a:spcBef>
         <a:buFont typeface="Arial" panose="020B0604020202020204" pitchFamily="34" charset="0"/>
         <a:buChar char="•"/>
-        <a:defRPr sz="1800" kern="1200">
+        <a:defRPr sz="1620" kern="1200">
           <a:solidFill>
             <a:schemeClr val="tx1"/>
           </a:solidFill>
@@ -3173,16 +2813,16 @@
           <a:cs typeface="+mn-cs"/>
         </a:defRPr>
       </a:lvl7pPr>
-      <a:lvl8pPr marL="3429000" indent="-228600" algn="l" defTabSz="914400" rtl="0" eaLnBrk="1" latinLnBrk="0" hangingPunct="1">
+      <a:lvl8pPr marL="3086100" indent="-205740" algn="l" defTabSz="822960" rtl="0" eaLnBrk="1" latinLnBrk="0" hangingPunct="1">
         <a:lnSpc>
           <a:spcPct val="90000"/>
         </a:lnSpc>
         <a:spcBef>
-          <a:spcPts val="500"/>
+          <a:spcPts val="450"/>
         </a:spcBef>
         <a:buFont typeface="Arial" panose="020B0604020202020204" pitchFamily="34" charset="0"/>
         <a:buChar char="•"/>
-        <a:defRPr sz="1800" kern="1200">
+        <a:defRPr sz="1620" kern="1200">
           <a:solidFill>
             <a:schemeClr val="tx1"/>
           </a:solidFill>
@@ -3191,16 +2831,16 @@
           <a:cs typeface="+mn-cs"/>
         </a:defRPr>
       </a:lvl8pPr>
-      <a:lvl9pPr marL="3886200" indent="-228600" algn="l" defTabSz="914400" rtl="0" eaLnBrk="1" latinLnBrk="0" hangingPunct="1">
+      <a:lvl9pPr marL="3497580" indent="-205740" algn="l" defTabSz="822960" rtl="0" eaLnBrk="1" latinLnBrk="0" hangingPunct="1">
         <a:lnSpc>
           <a:spcPct val="90000"/>
         </a:lnSpc>
         <a:spcBef>
-          <a:spcPts val="500"/>
+          <a:spcPts val="450"/>
         </a:spcBef>
         <a:buFont typeface="Arial" panose="020B0604020202020204" pitchFamily="34" charset="0"/>
         <a:buChar char="•"/>
-        <a:defRPr sz="1800" kern="1200">
+        <a:defRPr sz="1620" kern="1200">
           <a:solidFill>
             <a:schemeClr val="tx1"/>
           </a:solidFill>
@@ -3214,8 +2854,8 @@
       <a:defPPr>
         <a:defRPr lang="en-US"/>
       </a:defPPr>
-      <a:lvl1pPr marL="0" algn="l" defTabSz="914400" rtl="0" eaLnBrk="1" latinLnBrk="0" hangingPunct="1">
-        <a:defRPr sz="1800" kern="1200">
+      <a:lvl1pPr marL="0" algn="l" defTabSz="822960" rtl="0" eaLnBrk="1" latinLnBrk="0" hangingPunct="1">
+        <a:defRPr sz="1620" kern="1200">
           <a:solidFill>
             <a:schemeClr val="tx1"/>
           </a:solidFill>
@@ -3224,8 +2864,8 @@
           <a:cs typeface="+mn-cs"/>
         </a:defRPr>
       </a:lvl1pPr>
-      <a:lvl2pPr marL="457200" algn="l" defTabSz="914400" rtl="0" eaLnBrk="1" latinLnBrk="0" hangingPunct="1">
-        <a:defRPr sz="1800" kern="1200">
+      <a:lvl2pPr marL="411480" algn="l" defTabSz="822960" rtl="0" eaLnBrk="1" latinLnBrk="0" hangingPunct="1">
+        <a:defRPr sz="1620" kern="1200">
           <a:solidFill>
             <a:schemeClr val="tx1"/>
           </a:solidFill>
@@ -3234,8 +2874,8 @@
           <a:cs typeface="+mn-cs"/>
         </a:defRPr>
       </a:lvl2pPr>
-      <a:lvl3pPr marL="914400" algn="l" defTabSz="914400" rtl="0" eaLnBrk="1" latinLnBrk="0" hangingPunct="1">
-        <a:defRPr sz="1800" kern="1200">
+      <a:lvl3pPr marL="822960" algn="l" defTabSz="822960" rtl="0" eaLnBrk="1" latinLnBrk="0" hangingPunct="1">
+        <a:defRPr sz="1620" kern="1200">
           <a:solidFill>
             <a:schemeClr val="tx1"/>
           </a:solidFill>
@@ -3244,8 +2884,8 @@
           <a:cs typeface="+mn-cs"/>
         </a:defRPr>
       </a:lvl3pPr>
-      <a:lvl4pPr marL="1371600" algn="l" defTabSz="914400" rtl="0" eaLnBrk="1" latinLnBrk="0" hangingPunct="1">
-        <a:defRPr sz="1800" kern="1200">
+      <a:lvl4pPr marL="1234440" algn="l" defTabSz="822960" rtl="0" eaLnBrk="1" latinLnBrk="0" hangingPunct="1">
+        <a:defRPr sz="1620" kern="1200">
           <a:solidFill>
             <a:schemeClr val="tx1"/>
           </a:solidFill>
@@ -3254,8 +2894,8 @@
           <a:cs typeface="+mn-cs"/>
         </a:defRPr>
       </a:lvl4pPr>
-      <a:lvl5pPr marL="1828800" algn="l" defTabSz="914400" rtl="0" eaLnBrk="1" latinLnBrk="0" hangingPunct="1">
-        <a:defRPr sz="1800" kern="1200">
+      <a:lvl5pPr marL="1645920" algn="l" defTabSz="822960" rtl="0" eaLnBrk="1" latinLnBrk="0" hangingPunct="1">
+        <a:defRPr sz="1620" kern="1200">
           <a:solidFill>
             <a:schemeClr val="tx1"/>
           </a:solidFill>
@@ -3264,8 +2904,8 @@
           <a:cs typeface="+mn-cs"/>
         </a:defRPr>
       </a:lvl5pPr>
-      <a:lvl6pPr marL="2286000" algn="l" defTabSz="914400" rtl="0" eaLnBrk="1" latinLnBrk="0" hangingPunct="1">
-        <a:defRPr sz="1800" kern="1200">
+      <a:lvl6pPr marL="2057400" algn="l" defTabSz="822960" rtl="0" eaLnBrk="1" latinLnBrk="0" hangingPunct="1">
+        <a:defRPr sz="1620" kern="1200">
           <a:solidFill>
             <a:schemeClr val="tx1"/>
           </a:solidFill>
@@ -3274,8 +2914,8 @@
           <a:cs typeface="+mn-cs"/>
         </a:defRPr>
       </a:lvl6pPr>
-      <a:lvl7pPr marL="2743200" algn="l" defTabSz="914400" rtl="0" eaLnBrk="1" latinLnBrk="0" hangingPunct="1">
-        <a:defRPr sz="1800" kern="1200">
+      <a:lvl7pPr marL="2468880" algn="l" defTabSz="822960" rtl="0" eaLnBrk="1" latinLnBrk="0" hangingPunct="1">
+        <a:defRPr sz="1620" kern="1200">
           <a:solidFill>
             <a:schemeClr val="tx1"/>
           </a:solidFill>
@@ -3284,8 +2924,8 @@
           <a:cs typeface="+mn-cs"/>
         </a:defRPr>
       </a:lvl7pPr>
-      <a:lvl8pPr marL="3200400" algn="l" defTabSz="914400" rtl="0" eaLnBrk="1" latinLnBrk="0" hangingPunct="1">
-        <a:defRPr sz="1800" kern="1200">
+      <a:lvl8pPr marL="2880360" algn="l" defTabSz="822960" rtl="0" eaLnBrk="1" latinLnBrk="0" hangingPunct="1">
+        <a:defRPr sz="1620" kern="1200">
           <a:solidFill>
             <a:schemeClr val="tx1"/>
           </a:solidFill>
@@ -3294,8 +2934,8 @@
           <a:cs typeface="+mn-cs"/>
         </a:defRPr>
       </a:lvl8pPr>
-      <a:lvl9pPr marL="3657600" algn="l" defTabSz="914400" rtl="0" eaLnBrk="1" latinLnBrk="0" hangingPunct="1">
-        <a:defRPr sz="1800" kern="1200">
+      <a:lvl9pPr marL="3291840" algn="l" defTabSz="822960" rtl="0" eaLnBrk="1" latinLnBrk="0" hangingPunct="1">
+        <a:defRPr sz="1620" kern="1200">
           <a:solidFill>
             <a:schemeClr val="tx1"/>
           </a:solidFill>
@@ -3315,9 +2955,7 @@
     <p:bg>
       <p:bgPr>
         <a:solidFill>
-          <a:schemeClr val="bg2">
-            <a:lumMod val="10000"/>
-          </a:schemeClr>
+          <a:schemeClr val="tx1"/>
         </a:solidFill>
         <a:effectLst/>
       </p:bgPr>
@@ -3338,11 +2976,11 @@
       </p:grpSpPr>
       <p:pic>
         <p:nvPicPr>
-          <p:cNvPr id="5" name="Picture 4" descr="A web with a spider and a qr code">
+          <p:cNvPr id="5" name="Picture 4" descr="A web with a spider and a qr code&#10;&#10;Description automatically generated">
             <a:hlinkClick r:id="rId2"/>
             <a:extLst>
               <a:ext uri="{FF2B5EF4-FFF2-40B4-BE49-F238E27FC236}">
-                <a16:creationId xmlns:a16="http://schemas.microsoft.com/office/drawing/2014/main" id="{581128E9-2821-BD33-F283-58A0DF6BDBEE}"/>
+                <a16:creationId xmlns:a16="http://schemas.microsoft.com/office/drawing/2014/main" id="{449E2AF9-51E8-6472-87AB-DE6F617BF2BA}"/>
               </a:ext>
             </a:extLst>
           </p:cNvPr>
@@ -3364,18 +3002,13 @@
           </a:stretch>
         </p:blipFill>
         <p:spPr>
-          <a:xfrm rot="21397882">
-            <a:off x="1790285" y="1360440"/>
-            <a:ext cx="8611428" cy="4920816"/>
+          <a:xfrm rot="21438082">
+            <a:off x="192505" y="3245088"/>
+            <a:ext cx="7844589" cy="4482623"/>
           </a:xfrm>
           <a:prstGeom prst="rect">
             <a:avLst/>
           </a:prstGeom>
-          <a:ln w="28575">
-            <a:solidFill>
-              <a:schemeClr val="tx1"/>
-            </a:solidFill>
-          </a:ln>
         </p:spPr>
       </p:pic>
       <p:sp>
@@ -3383,7 +3016,7 @@
           <p:cNvPr id="6" name="TextBox 5">
             <a:extLst>
               <a:ext uri="{FF2B5EF4-FFF2-40B4-BE49-F238E27FC236}">
-                <a16:creationId xmlns:a16="http://schemas.microsoft.com/office/drawing/2014/main" id="{3FFB7177-5307-6298-7F64-42EA3EBE3908}"/>
+                <a16:creationId xmlns:a16="http://schemas.microsoft.com/office/drawing/2014/main" id="{6D961FFD-A257-0AED-938F-86F15C34E4A1}"/>
               </a:ext>
             </a:extLst>
           </p:cNvPr>
@@ -3392,8 +3025,8 @@
         </p:nvSpPr>
         <p:spPr>
           <a:xfrm>
-            <a:off x="1341782" y="327992"/>
-            <a:ext cx="11598965" cy="646331"/>
+            <a:off x="91328" y="944856"/>
+            <a:ext cx="8229600" cy="1569660"/>
           </a:xfrm>
           <a:prstGeom prst="rect">
             <a:avLst/>
@@ -3406,8 +3039,9 @@
           </a:bodyPr>
           <a:lstStyle/>
           <a:p>
-            <a:r>
-              <a:rPr lang="en-US" sz="3600" dirty="0">
+            <a:pPr algn="ctr"/>
+            <a:r>
+              <a:rPr lang="en-US" sz="4800" dirty="0">
                 <a:solidFill>
                   <a:schemeClr val="bg1"/>
                 </a:solidFill>
@@ -3416,7 +3050,7 @@
               <a:t>Scan my </a:t>
             </a:r>
             <a:r>
-              <a:rPr lang="en-US" sz="3600" dirty="0" err="1">
+              <a:rPr lang="en-US" sz="4800" dirty="0" err="1">
                 <a:solidFill>
                   <a:schemeClr val="accent2"/>
                 </a:solidFill>
@@ -3425,7 +3059,7 @@
               <a:t>BOO</a:t>
             </a:r>
             <a:r>
-              <a:rPr lang="en-US" sz="3600" dirty="0" err="1">
+              <a:rPr lang="en-US" sz="4800" dirty="0" err="1">
                 <a:solidFill>
                   <a:schemeClr val="bg1"/>
                 </a:solidFill>
@@ -3434,16 +3068,28 @@
               <a:t>siness</a:t>
             </a:r>
             <a:r>
-              <a:rPr lang="en-US" sz="3600" dirty="0">
+              <a:rPr lang="en-US" sz="4800" dirty="0">
                 <a:solidFill>
                   <a:schemeClr val="bg1"/>
                 </a:solidFill>
                 <a:latin typeface="Creepster" panose="02000000000000000000" pitchFamily="2" charset="0"/>
               </a:rPr>
-              <a:t> card for a </a:t>
-            </a:r>
-            <a:r>
-              <a:rPr lang="en-US" sz="3600" dirty="0" err="1">
+              <a:t> card </a:t>
+            </a:r>
+          </a:p>
+          <a:p>
+            <a:pPr algn="ctr"/>
+            <a:r>
+              <a:rPr lang="en-US" sz="4800" dirty="0">
+                <a:solidFill>
+                  <a:schemeClr val="bg1"/>
+                </a:solidFill>
+                <a:latin typeface="Creepster" panose="02000000000000000000" pitchFamily="2" charset="0"/>
+              </a:rPr>
+              <a:t>for a </a:t>
+            </a:r>
+            <a:r>
+              <a:rPr lang="en-US" sz="4800" dirty="0" err="1">
                 <a:solidFill>
                   <a:schemeClr val="accent2"/>
                 </a:solidFill>
@@ -3452,7 +3098,7 @@
               <a:t>QR</a:t>
             </a:r>
             <a:r>
-              <a:rPr lang="en-US" sz="3600" dirty="0" err="1">
+              <a:rPr lang="en-US" sz="4800" dirty="0" err="1">
                 <a:solidFill>
                   <a:schemeClr val="bg1"/>
                 </a:solidFill>
@@ -3461,7 +3107,7 @@
               <a:t>eepy</a:t>
             </a:r>
             <a:r>
-              <a:rPr lang="en-US" sz="3600" dirty="0">
+              <a:rPr lang="en-US" sz="4800" dirty="0">
                 <a:solidFill>
                   <a:schemeClr val="bg1"/>
                 </a:solidFill>
@@ -3470,7 +3116,7 @@
               <a:t> </a:t>
             </a:r>
             <a:r>
-              <a:rPr lang="en-US" sz="3600" dirty="0">
+              <a:rPr lang="en-US" sz="4800" dirty="0">
                 <a:solidFill>
                   <a:srgbClr val="FF0000"/>
                 </a:solidFill>
@@ -3483,10 +3129,10 @@
       </p:sp>
       <p:sp>
         <p:nvSpPr>
-          <p:cNvPr id="2" name="TextBox 1">
+          <p:cNvPr id="7" name="TextBox 6">
             <a:extLst>
               <a:ext uri="{FF2B5EF4-FFF2-40B4-BE49-F238E27FC236}">
-                <a16:creationId xmlns:a16="http://schemas.microsoft.com/office/drawing/2014/main" id="{019DEB00-E105-D858-78DE-0852B13C75DB}"/>
+                <a16:creationId xmlns:a16="http://schemas.microsoft.com/office/drawing/2014/main" id="{EA7CA07F-59E5-8E60-36BF-F1CED15DF629}"/>
               </a:ext>
             </a:extLst>
           </p:cNvPr>
@@ -3494,9 +3140,9 @@
           <p:nvPr/>
         </p:nvSpPr>
         <p:spPr>
-          <a:xfrm rot="21384602">
-            <a:off x="7244036" y="2169780"/>
-            <a:ext cx="2243691" cy="369332"/>
+          <a:xfrm>
+            <a:off x="1290526" y="8458284"/>
+            <a:ext cx="5648548" cy="1569660"/>
           </a:xfrm>
           <a:prstGeom prst="rect">
             <a:avLst/>
@@ -3504,27 +3150,100 @@
           <a:noFill/>
         </p:spPr>
         <p:txBody>
-          <a:bodyPr wrap="none" rtlCol="0">
+          <a:bodyPr wrap="square" rtlCol="0">
             <a:spAutoFit/>
           </a:bodyPr>
           <a:lstStyle/>
           <a:p>
-            <a:r>
-              <a:rPr lang="en-US" dirty="0"/>
+            <a:pPr algn="ctr"/>
+            <a:r>
+              <a:rPr lang="en-US" sz="3200" dirty="0">
+                <a:solidFill>
+                  <a:schemeClr val="bg1"/>
+                </a:solidFill>
+                <a:latin typeface="FreightSans Pro Black" panose="02000A03040000020004" pitchFamily="50" charset="0"/>
+              </a:rPr>
+              <a:t>or go to </a:t>
+            </a:r>
+            <a:r>
+              <a:rPr lang="en-US" sz="3200" dirty="0">
+                <a:solidFill>
+                  <a:srgbClr val="0563C1"/>
+                </a:solidFill>
+                <a:latin typeface="FreightSans Pro Black" panose="02000A03040000020004" pitchFamily="50" charset="0"/>
+                <a:hlinkClick r:id="rId4">
+                  <a:extLst>
+                    <a:ext uri="{A12FA001-AC4F-418D-AE19-62706E023703}">
+                      <ahyp:hlinkClr xmlns:ahyp="http://schemas.microsoft.com/office/drawing/2018/hyperlinkcolor" val="tx"/>
+                    </a:ext>
+                  </a:extLst>
+                </a:hlinkClick>
+              </a:rPr>
               <a:t>tinyurl.com/</a:t>
             </a:r>
             <a:r>
-              <a:rPr lang="en-US" dirty="0" err="1"/>
+              <a:rPr lang="en-US" sz="3200" dirty="0" err="1">
+                <a:solidFill>
+                  <a:srgbClr val="0563C1"/>
+                </a:solidFill>
+                <a:latin typeface="FreightSans Pro Black" panose="02000A03040000020004" pitchFamily="50" charset="0"/>
+                <a:hlinkClick r:id="rId4">
+                  <a:extLst>
+                    <a:ext uri="{A12FA001-AC4F-418D-AE19-62706E023703}">
+                      <ahyp:hlinkClr xmlns:ahyp="http://schemas.microsoft.com/office/drawing/2018/hyperlinkcolor" val="tx"/>
+                    </a:ext>
+                  </a:extLst>
+                </a:hlinkClick>
+              </a:rPr>
               <a:t>fasoween</a:t>
             </a:r>
-            <a:endParaRPr lang="en-US" dirty="0"/>
+            <a:r>
+              <a:rPr lang="en-US" sz="3200" dirty="0">
+                <a:solidFill>
+                  <a:schemeClr val="accent2">
+                    <a:lumMod val="60000"/>
+                    <a:lumOff val="40000"/>
+                  </a:schemeClr>
+                </a:solidFill>
+                <a:latin typeface="FreightSans Pro Black" panose="02000A03040000020004" pitchFamily="50" charset="0"/>
+                <a:hlinkClick r:id="rId4">
+                  <a:extLst>
+                    <a:ext uri="{A12FA001-AC4F-418D-AE19-62706E023703}">
+                      <ahyp:hlinkClr xmlns:ahyp="http://schemas.microsoft.com/office/drawing/2018/hyperlinkcolor" val="tx"/>
+                    </a:ext>
+                  </a:extLst>
+                </a:hlinkClick>
+              </a:rPr>
+              <a:t> </a:t>
+            </a:r>
+            <a:endParaRPr lang="en-US" sz="3200" dirty="0">
+              <a:solidFill>
+                <a:schemeClr val="accent2">
+                  <a:lumMod val="60000"/>
+                  <a:lumOff val="40000"/>
+                </a:schemeClr>
+              </a:solidFill>
+              <a:latin typeface="FreightSans Pro Black" panose="02000A03040000020004" pitchFamily="50" charset="0"/>
+            </a:endParaRPr>
+          </a:p>
+          <a:p>
+            <a:pPr algn="ctr"/>
+            <a:r>
+              <a:rPr lang="en-US" sz="3200" dirty="0">
+                <a:solidFill>
+                  <a:schemeClr val="bg1"/>
+                </a:solidFill>
+                <a:latin typeface="FreightSans Pro Black" panose="02000A03040000020004" pitchFamily="50" charset="0"/>
+              </a:rPr>
+              <a:t>on your phone 📱</a:t>
+            </a:r>
           </a:p>
         </p:txBody>
       </p:sp>
     </p:spTree>
     <p:extLst>
       <p:ext uri="{BB962C8B-B14F-4D97-AF65-F5344CB8AC3E}">
-        <p14:creationId xmlns:p14="http://schemas.microsoft.com/office/powerpoint/2010/main" val="823656721"/>
+        <p14:creationId xmlns:p14="http://schemas.microsoft.com/office/powerpoint/2010/main" val="823456677"/>
       </p:ext>
     </p:extLst>
   </p:cSld>
@@ -3537,7 +3256,7 @@
 <file path=ppt/theme/theme1.xml><?xml version="1.0" encoding="utf-8"?>
 <a:theme xmlns:a="http://schemas.openxmlformats.org/drawingml/2006/main" name="Office Theme">
   <a:themeElements>
-    <a:clrScheme name="Office">
+    <a:clrScheme name="Office Theme">
       <a:dk1>
         <a:sysClr val="windowText" lastClr="000000"/>
       </a:dk1>
@@ -3575,7 +3294,7 @@
         <a:srgbClr val="954F72"/>
       </a:folHlink>
     </a:clrScheme>
-    <a:fontScheme name="Office">
+    <a:fontScheme name="Office Theme">
       <a:majorFont>
         <a:latin typeface="Calibri Light" panose="020F0302020204030204"/>
         <a:ea typeface=""/>
@@ -3610,23 +3329,6 @@
         <a:font script="Viet" typeface="Times New Roman"/>
         <a:font script="Uigh" typeface="Microsoft Uighur"/>
         <a:font script="Geor" typeface="Sylfaen"/>
-        <a:font script="Armn" typeface="Arial"/>
-        <a:font script="Bugi" typeface="Leelawadee UI"/>
-        <a:font script="Bopo" typeface="Microsoft JhengHei"/>
-        <a:font script="Java" typeface="Javanese Text"/>
-        <a:font script="Lisu" typeface="Segoe UI"/>
-        <a:font script="Mymr" typeface="Myanmar Text"/>
-        <a:font script="Nkoo" typeface="Ebrima"/>
-        <a:font script="Olck" typeface="Nirmala UI"/>
-        <a:font script="Osma" typeface="Ebrima"/>
-        <a:font script="Phag" typeface="Phagspa"/>
-        <a:font script="Syrn" typeface="Estrangelo Edessa"/>
-        <a:font script="Syrj" typeface="Estrangelo Edessa"/>
-        <a:font script="Syre" typeface="Estrangelo Edessa"/>
-        <a:font script="Sora" typeface="Nirmala UI"/>
-        <a:font script="Tale" typeface="Microsoft Tai Le"/>
-        <a:font script="Talu" typeface="Microsoft New Tai Lue"/>
-        <a:font script="Tfng" typeface="Ebrima"/>
       </a:majorFont>
       <a:minorFont>
         <a:latin typeface="Calibri" panose="020F0502020204030204"/>
@@ -3662,26 +3364,9 @@
         <a:font script="Viet" typeface="Arial"/>
         <a:font script="Uigh" typeface="Microsoft Uighur"/>
         <a:font script="Geor" typeface="Sylfaen"/>
-        <a:font script="Armn" typeface="Arial"/>
-        <a:font script="Bugi" typeface="Leelawadee UI"/>
-        <a:font script="Bopo" typeface="Microsoft JhengHei"/>
-        <a:font script="Java" typeface="Javanese Text"/>
-        <a:font script="Lisu" typeface="Segoe UI"/>
-        <a:font script="Mymr" typeface="Myanmar Text"/>
-        <a:font script="Nkoo" typeface="Ebrima"/>
-        <a:font script="Olck" typeface="Nirmala UI"/>
-        <a:font script="Osma" typeface="Ebrima"/>
-        <a:font script="Phag" typeface="Phagspa"/>
-        <a:font script="Syrn" typeface="Estrangelo Edessa"/>
-        <a:font script="Syrj" typeface="Estrangelo Edessa"/>
-        <a:font script="Syre" typeface="Estrangelo Edessa"/>
-        <a:font script="Sora" typeface="Nirmala UI"/>
-        <a:font script="Tale" typeface="Microsoft Tai Le"/>
-        <a:font script="Talu" typeface="Microsoft New Tai Lue"/>
-        <a:font script="Tfng" typeface="Ebrima"/>
       </a:minorFont>
     </a:fontScheme>
-    <a:fmtScheme name="Office">
+    <a:fmtScheme name="Office Theme">
       <a:fillStyleLst>
         <a:solidFill>
           <a:schemeClr val="phClr"/>
@@ -3823,7 +3508,7 @@
   <a:extraClrSchemeLst/>
   <a:extLst>
     <a:ext uri="{05A4C25C-085E-4340-85A3-A5531E510DB2}">
-      <thm15:themeFamily xmlns:thm15="http://schemas.microsoft.com/office/thememl/2012/main" name="Office Theme" id="{62F939B6-93AF-4DB8-9C6B-D6C7DFDC589F}" vid="{4A3C46E8-61CC-4603-A589-7422A47A8E4A}"/>
+      <thm15:themeFamily xmlns:thm15="http://schemas.microsoft.com/office/thememl/2012/main" name="Office 2013 - 2022 Theme" id="{62F939B6-93AF-4DB8-9C6B-D6C7DFDC589F}" vid="{4A3C46E8-61CC-4603-A589-7422A47A8E4A}"/>
     </a:ext>
   </a:extLst>
 </a:theme>
